--- a/lectures/ggplot-intro.pptx
+++ b/lectures/ggplot-intro.pptx
@@ -14,39 +14,40 @@
     <p:sldId id="263" r:id="rId8"/>
     <p:sldId id="279" r:id="rId9"/>
     <p:sldId id="268" r:id="rId10"/>
-    <p:sldId id="266" r:id="rId11"/>
-    <p:sldId id="264" r:id="rId12"/>
-    <p:sldId id="267" r:id="rId13"/>
-    <p:sldId id="278" r:id="rId14"/>
-    <p:sldId id="280" r:id="rId15"/>
-    <p:sldId id="281" r:id="rId16"/>
-    <p:sldId id="301" r:id="rId17"/>
-    <p:sldId id="303" r:id="rId18"/>
-    <p:sldId id="302" r:id="rId19"/>
-    <p:sldId id="293" r:id="rId20"/>
-    <p:sldId id="265" r:id="rId21"/>
-    <p:sldId id="289" r:id="rId22"/>
-    <p:sldId id="269" r:id="rId23"/>
-    <p:sldId id="270" r:id="rId24"/>
-    <p:sldId id="271" r:id="rId25"/>
-    <p:sldId id="272" r:id="rId26"/>
-    <p:sldId id="273" r:id="rId27"/>
-    <p:sldId id="274" r:id="rId28"/>
-    <p:sldId id="294" r:id="rId29"/>
-    <p:sldId id="295" r:id="rId30"/>
-    <p:sldId id="296" r:id="rId31"/>
-    <p:sldId id="297" r:id="rId32"/>
-    <p:sldId id="298" r:id="rId33"/>
-    <p:sldId id="299" r:id="rId34"/>
-    <p:sldId id="300" r:id="rId35"/>
-    <p:sldId id="306" r:id="rId36"/>
-    <p:sldId id="307" r:id="rId37"/>
-    <p:sldId id="308" r:id="rId38"/>
-    <p:sldId id="309" r:id="rId39"/>
-    <p:sldId id="310" r:id="rId40"/>
-    <p:sldId id="311" r:id="rId41"/>
-    <p:sldId id="312" r:id="rId42"/>
-    <p:sldId id="313" r:id="rId43"/>
+    <p:sldId id="314" r:id="rId11"/>
+    <p:sldId id="266" r:id="rId12"/>
+    <p:sldId id="264" r:id="rId13"/>
+    <p:sldId id="267" r:id="rId14"/>
+    <p:sldId id="278" r:id="rId15"/>
+    <p:sldId id="280" r:id="rId16"/>
+    <p:sldId id="281" r:id="rId17"/>
+    <p:sldId id="301" r:id="rId18"/>
+    <p:sldId id="303" r:id="rId19"/>
+    <p:sldId id="302" r:id="rId20"/>
+    <p:sldId id="293" r:id="rId21"/>
+    <p:sldId id="265" r:id="rId22"/>
+    <p:sldId id="289" r:id="rId23"/>
+    <p:sldId id="269" r:id="rId24"/>
+    <p:sldId id="270" r:id="rId25"/>
+    <p:sldId id="271" r:id="rId26"/>
+    <p:sldId id="272" r:id="rId27"/>
+    <p:sldId id="273" r:id="rId28"/>
+    <p:sldId id="274" r:id="rId29"/>
+    <p:sldId id="294" r:id="rId30"/>
+    <p:sldId id="295" r:id="rId31"/>
+    <p:sldId id="296" r:id="rId32"/>
+    <p:sldId id="297" r:id="rId33"/>
+    <p:sldId id="298" r:id="rId34"/>
+    <p:sldId id="299" r:id="rId35"/>
+    <p:sldId id="300" r:id="rId36"/>
+    <p:sldId id="306" r:id="rId37"/>
+    <p:sldId id="307" r:id="rId38"/>
+    <p:sldId id="308" r:id="rId39"/>
+    <p:sldId id="309" r:id="rId40"/>
+    <p:sldId id="310" r:id="rId41"/>
+    <p:sldId id="311" r:id="rId42"/>
+    <p:sldId id="312" r:id="rId43"/>
+    <p:sldId id="313" r:id="rId44"/>
   </p:sldIdLst>
   <p:sldSz cx="9144000" cy="6858000" type="screen4x3"/>
   <p:notesSz cx="6858000" cy="9144000"/>
@@ -350,7 +351,7 @@
                 </a:solidFill>
               </a:rPr>
               <a:pPr/>
-              <a:t>6/3/2021</a:t>
+              <a:t>2/18/2022</a:t>
             </a:fld>
             <a:endParaRPr lang="en-US">
               <a:solidFill>
@@ -550,7 +551,7 @@
                 </a:solidFill>
               </a:rPr>
               <a:pPr/>
-              <a:t>6/3/2021</a:t>
+              <a:t>2/18/2022</a:t>
             </a:fld>
             <a:endParaRPr lang="en-US">
               <a:solidFill>
@@ -760,7 +761,7 @@
                 </a:solidFill>
               </a:rPr>
               <a:pPr/>
-              <a:t>6/3/2021</a:t>
+              <a:t>2/18/2022</a:t>
             </a:fld>
             <a:endParaRPr lang="en-US">
               <a:solidFill>
@@ -960,7 +961,7 @@
                 </a:solidFill>
               </a:rPr>
               <a:pPr/>
-              <a:t>6/3/2021</a:t>
+              <a:t>2/18/2022</a:t>
             </a:fld>
             <a:endParaRPr lang="en-US">
               <a:solidFill>
@@ -1230,7 +1231,7 @@
                 </a:solidFill>
               </a:rPr>
               <a:pPr/>
-              <a:t>6/3/2021</a:t>
+              <a:t>2/18/2022</a:t>
             </a:fld>
             <a:endParaRPr lang="en-US">
               <a:solidFill>
@@ -1547,7 +1548,7 @@
                 </a:solidFill>
               </a:rPr>
               <a:pPr/>
-              <a:t>6/3/2021</a:t>
+              <a:t>2/18/2022</a:t>
             </a:fld>
             <a:endParaRPr lang="en-US">
               <a:solidFill>
@@ -1998,7 +1999,7 @@
                 </a:solidFill>
               </a:rPr>
               <a:pPr/>
-              <a:t>6/3/2021</a:t>
+              <a:t>2/18/2022</a:t>
             </a:fld>
             <a:endParaRPr lang="en-US">
               <a:solidFill>
@@ -2147,7 +2148,7 @@
                 </a:solidFill>
               </a:rPr>
               <a:pPr/>
-              <a:t>6/3/2021</a:t>
+              <a:t>2/18/2022</a:t>
             </a:fld>
             <a:endParaRPr lang="en-US">
               <a:solidFill>
@@ -2274,7 +2275,7 @@
                 </a:solidFill>
               </a:rPr>
               <a:pPr/>
-              <a:t>6/3/2021</a:t>
+              <a:t>2/18/2022</a:t>
             </a:fld>
             <a:endParaRPr lang="en-US">
               <a:solidFill>
@@ -2581,7 +2582,7 @@
                 </a:solidFill>
               </a:rPr>
               <a:pPr/>
-              <a:t>6/3/2021</a:t>
+              <a:t>2/18/2022</a:t>
             </a:fld>
             <a:endParaRPr lang="en-US">
               <a:solidFill>
@@ -2868,7 +2869,7 @@
                 </a:solidFill>
               </a:rPr>
               <a:pPr/>
-              <a:t>6/3/2021</a:t>
+              <a:t>2/18/2022</a:t>
             </a:fld>
             <a:endParaRPr lang="en-US">
               <a:solidFill>
@@ -3124,7 +3125,7 @@
                 </a:solidFill>
               </a:rPr>
               <a:pPr/>
-              <a:t>6/3/2021</a:t>
+              <a:t>2/18/2022</a:t>
             </a:fld>
             <a:endParaRPr lang="en-US">
               <a:solidFill>
@@ -3686,6 +3687,7 @@
           </a:bodyPr>
           <a:lstStyle/>
           <a:p>
+            <a:pPr lvl="0" algn="ctr"/>
             <a:r>
               <a:rPr lang="en-US" sz="1600" dirty="0">
                 <a:solidFill>
@@ -3695,7 +3697,7 @@
                 </a:solidFill>
                 <a:hlinkClick r:id="rId4"/>
               </a:rPr>
-              <a:t>http://euclid.psych.yorku.ca/www/psy6135/</a:t>
+              <a:t>https://friendly.github.io/6135</a:t>
             </a:r>
             <a:endParaRPr lang="en-US" sz="1600" dirty="0"/>
           </a:p>
@@ -3763,6 +3765,275 @@
       </p:grpSpPr>
       <p:sp>
         <p:nvSpPr>
+          <p:cNvPr id="2" name="Title 1">
+            <a:extLst>
+              <a:ext uri="{FF2B5EF4-FFF2-40B4-BE49-F238E27FC236}">
+                <a16:creationId xmlns:a16="http://schemas.microsoft.com/office/drawing/2014/main" id="{1B66A2BE-FE26-4B8B-9D3E-1B8813B0836F}"/>
+              </a:ext>
+            </a:extLst>
+          </p:cNvPr>
+          <p:cNvSpPr>
+            <a:spLocks noGrp="1"/>
+          </p:cNvSpPr>
+          <p:nvPr>
+            <p:ph type="title"/>
+          </p:nvPr>
+        </p:nvSpPr>
+        <p:spPr/>
+        <p:txBody>
+          <a:bodyPr/>
+          <a:lstStyle/>
+          <a:p>
+            <a:r>
+              <a:rPr lang="en-US" dirty="0"/>
+              <a:t>ggplot2: + = layers</a:t>
+            </a:r>
+          </a:p>
+        </p:txBody>
+      </p:sp>
+      <p:sp>
+        <p:nvSpPr>
+          <p:cNvPr id="3" name="Slide Number Placeholder 2">
+            <a:extLst>
+              <a:ext uri="{FF2B5EF4-FFF2-40B4-BE49-F238E27FC236}">
+                <a16:creationId xmlns:a16="http://schemas.microsoft.com/office/drawing/2014/main" id="{01AE1BDA-8B82-41AC-BABF-84EBB10ED101}"/>
+              </a:ext>
+            </a:extLst>
+          </p:cNvPr>
+          <p:cNvSpPr>
+            <a:spLocks noGrp="1"/>
+          </p:cNvSpPr>
+          <p:nvPr>
+            <p:ph type="sldNum" sz="quarter" idx="12"/>
+          </p:nvPr>
+        </p:nvSpPr>
+        <p:spPr/>
+        <p:txBody>
+          <a:bodyPr/>
+          <a:lstStyle/>
+          <a:p>
+            <a:fld id="{20401A5A-FA6E-4462-B8C5-A4D4B3FA6BB1}" type="slidenum">
+              <a:rPr lang="en-US" smtClean="0">
+                <a:solidFill>
+                  <a:prstClr val="black">
+                    <a:tint val="75000"/>
+                  </a:prstClr>
+                </a:solidFill>
+              </a:rPr>
+              <a:pPr/>
+              <a:t>10</a:t>
+            </a:fld>
+            <a:endParaRPr lang="en-US">
+              <a:solidFill>
+                <a:prstClr val="black">
+                  <a:tint val="75000"/>
+                </a:prstClr>
+              </a:solidFill>
+            </a:endParaRPr>
+          </a:p>
+        </p:txBody>
+      </p:sp>
+      <p:pic>
+        <p:nvPicPr>
+          <p:cNvPr id="5" name="Picture 4" descr="Diagram, schematic&#10;&#10;Description automatically generated">
+            <a:extLst>
+              <a:ext uri="{FF2B5EF4-FFF2-40B4-BE49-F238E27FC236}">
+                <a16:creationId xmlns:a16="http://schemas.microsoft.com/office/drawing/2014/main" id="{06D92927-B466-4102-A31E-204AC67302E9}"/>
+              </a:ext>
+            </a:extLst>
+          </p:cNvPr>
+          <p:cNvPicPr>
+            <a:picLocks noChangeAspect="1"/>
+          </p:cNvPicPr>
+          <p:nvPr/>
+        </p:nvPicPr>
+        <p:blipFill>
+          <a:blip r:embed="rId2">
+            <a:extLst>
+              <a:ext uri="{28A0092B-C50C-407E-A947-70E740481C1C}">
+                <a14:useLocalDpi xmlns:a14="http://schemas.microsoft.com/office/drawing/2010/main" val="0"/>
+              </a:ext>
+            </a:extLst>
+          </a:blip>
+          <a:stretch>
+            <a:fillRect/>
+          </a:stretch>
+        </p:blipFill>
+        <p:spPr>
+          <a:xfrm>
+            <a:off x="4102048" y="1828800"/>
+            <a:ext cx="4557713" cy="4520252"/>
+          </a:xfrm>
+          <a:prstGeom prst="rect">
+            <a:avLst/>
+          </a:prstGeom>
+        </p:spPr>
+      </p:pic>
+      <p:sp>
+        <p:nvSpPr>
+          <p:cNvPr id="6" name="TextBox 5">
+            <a:extLst>
+              <a:ext uri="{FF2B5EF4-FFF2-40B4-BE49-F238E27FC236}">
+                <a16:creationId xmlns:a16="http://schemas.microsoft.com/office/drawing/2014/main" id="{FD9F0C06-1AF7-4DFF-828F-2ED11F081D5F}"/>
+              </a:ext>
+            </a:extLst>
+          </p:cNvPr>
+          <p:cNvSpPr txBox="1"/>
+          <p:nvPr/>
+        </p:nvSpPr>
+        <p:spPr>
+          <a:xfrm>
+            <a:off x="762000" y="2057400"/>
+            <a:ext cx="3276600" cy="2031325"/>
+          </a:xfrm>
+          <a:prstGeom prst="rect">
+            <a:avLst/>
+          </a:prstGeom>
+          <a:noFill/>
+        </p:spPr>
+        <p:txBody>
+          <a:bodyPr wrap="square" rtlCol="0">
+            <a:spAutoFit/>
+          </a:bodyPr>
+          <a:lstStyle/>
+          <a:p>
+            <a:r>
+              <a:rPr lang="en-US" dirty="0" err="1"/>
+              <a:t>ggplot</a:t>
+            </a:r>
+            <a:r>
+              <a:rPr lang="en-US" dirty="0"/>
+              <a:t>( data ) +</a:t>
+            </a:r>
+          </a:p>
+          <a:p>
+            <a:endParaRPr lang="en-US" dirty="0"/>
+          </a:p>
+          <a:p>
+            <a:r>
+              <a:rPr lang="en-US" dirty="0"/>
+              <a:t>    </a:t>
+            </a:r>
+            <a:r>
+              <a:rPr lang="en-US" dirty="0" err="1"/>
+              <a:t>aes</a:t>
+            </a:r>
+            <a:r>
+              <a:rPr lang="en-US" dirty="0"/>
+              <a:t>( x=, y=) +</a:t>
+            </a:r>
+          </a:p>
+          <a:p>
+            <a:endParaRPr lang="en-US" dirty="0"/>
+          </a:p>
+          <a:p>
+            <a:r>
+              <a:rPr lang="en-US" dirty="0"/>
+              <a:t>        </a:t>
+            </a:r>
+            <a:r>
+              <a:rPr lang="en-US" dirty="0" err="1"/>
+              <a:t>geom_points</a:t>
+            </a:r>
+            <a:r>
+              <a:rPr lang="en-US" dirty="0"/>
+              <a:t>() +</a:t>
+            </a:r>
+          </a:p>
+          <a:p>
+            <a:endParaRPr lang="en-US" dirty="0"/>
+          </a:p>
+          <a:p>
+            <a:r>
+              <a:rPr lang="en-US" dirty="0"/>
+              <a:t>             </a:t>
+            </a:r>
+            <a:r>
+              <a:rPr lang="en-US" dirty="0" err="1"/>
+              <a:t>ggtitle</a:t>
+            </a:r>
+            <a:r>
+              <a:rPr lang="en-US" dirty="0"/>
+              <a:t>(“Graph title”)</a:t>
+            </a:r>
+          </a:p>
+        </p:txBody>
+      </p:sp>
+      <p:sp>
+        <p:nvSpPr>
+          <p:cNvPr id="7" name="TextBox 6">
+            <a:extLst>
+              <a:ext uri="{FF2B5EF4-FFF2-40B4-BE49-F238E27FC236}">
+                <a16:creationId xmlns:a16="http://schemas.microsoft.com/office/drawing/2014/main" id="{77725D57-02CE-48F4-9876-D340ED789876}"/>
+              </a:ext>
+            </a:extLst>
+          </p:cNvPr>
+          <p:cNvSpPr txBox="1"/>
+          <p:nvPr/>
+        </p:nvSpPr>
+        <p:spPr>
+          <a:xfrm>
+            <a:off x="457200" y="1143000"/>
+            <a:ext cx="8202561" cy="381000"/>
+          </a:xfrm>
+          <a:prstGeom prst="rect">
+            <a:avLst/>
+          </a:prstGeom>
+          <a:noFill/>
+        </p:spPr>
+        <p:txBody>
+          <a:bodyPr wrap="square" rtlCol="0">
+            <a:spAutoFit/>
+          </a:bodyPr>
+          <a:lstStyle/>
+          <a:p>
+            <a:r>
+              <a:rPr lang="en-US" dirty="0"/>
+              <a:t>In </a:t>
+            </a:r>
+            <a:r>
+              <a:rPr lang="en-US" dirty="0" err="1"/>
+              <a:t>ggplot</a:t>
+            </a:r>
+            <a:r>
+              <a:rPr lang="en-US" dirty="0"/>
+              <a:t>, a graph is built from layers, connected by the + operation</a:t>
+            </a:r>
+          </a:p>
+        </p:txBody>
+      </p:sp>
+    </p:spTree>
+    <p:extLst>
+      <p:ext uri="{BB962C8B-B14F-4D97-AF65-F5344CB8AC3E}">
+        <p14:creationId xmlns:p14="http://schemas.microsoft.com/office/powerpoint/2010/main" val="2775617021"/>
+      </p:ext>
+    </p:extLst>
+  </p:cSld>
+  <p:clrMapOvr>
+    <a:masterClrMapping/>
+  </p:clrMapOvr>
+</p:sld>
+</file>
+
+<file path=ppt/slides/slide11.xml><?xml version="1.0" encoding="utf-8"?>
+<p:sld xmlns:a="http://schemas.openxmlformats.org/drawingml/2006/main" xmlns:r="http://schemas.openxmlformats.org/officeDocument/2006/relationships" xmlns:p="http://schemas.openxmlformats.org/presentationml/2006/main">
+  <p:cSld>
+    <p:spTree>
+      <p:nvGrpSpPr>
+        <p:cNvPr id="1" name=""/>
+        <p:cNvGrpSpPr/>
+        <p:nvPr/>
+      </p:nvGrpSpPr>
+      <p:grpSpPr>
+        <a:xfrm>
+          <a:off x="0" y="0"/>
+          <a:ext cx="0" cy="0"/>
+          <a:chOff x="0" y="0"/>
+          <a:chExt cx="0" cy="0"/>
+        </a:xfrm>
+      </p:grpSpPr>
+      <p:sp>
+        <p:nvSpPr>
           <p:cNvPr id="2" name="Title 1"/>
           <p:cNvSpPr>
             <a:spLocks noGrp="1"/>
@@ -3882,7 +4153,7 @@
                 </a:solidFill>
               </a:rPr>
               <a:pPr/>
-              <a:t>10</a:t>
+              <a:t>11</a:t>
             </a:fld>
             <a:endParaRPr lang="en-US">
               <a:solidFill>
@@ -3937,7 +4208,7 @@
 </p:sld>
 </file>
 
-<file path=ppt/slides/slide11.xml><?xml version="1.0" encoding="utf-8"?>
+<file path=ppt/slides/slide12.xml><?xml version="1.0" encoding="utf-8"?>
 <p:sld xmlns:a="http://schemas.openxmlformats.org/drawingml/2006/main" xmlns:r="http://schemas.openxmlformats.org/officeDocument/2006/relationships" xmlns:p="http://schemas.openxmlformats.org/presentationml/2006/main">
   <p:cSld>
     <p:spTree>
@@ -4062,7 +4333,7 @@
                 </a:solidFill>
               </a:rPr>
               <a:pPr/>
-              <a:t>11</a:t>
+              <a:t>12</a:t>
             </a:fld>
             <a:endParaRPr lang="en-US">
               <a:solidFill>
@@ -4147,7 +4418,7 @@
 </p:sld>
 </file>
 
-<file path=ppt/slides/slide12.xml><?xml version="1.0" encoding="utf-8"?>
+<file path=ppt/slides/slide13.xml><?xml version="1.0" encoding="utf-8"?>
 <p:sld xmlns:a="http://schemas.openxmlformats.org/drawingml/2006/main" xmlns:r="http://schemas.openxmlformats.org/officeDocument/2006/relationships" xmlns:p="http://schemas.openxmlformats.org/presentationml/2006/main">
   <p:cSld>
     <p:spTree>
@@ -4292,7 +4563,7 @@
                 </a:solidFill>
               </a:rPr>
               <a:pPr/>
-              <a:t>12</a:t>
+              <a:t>13</a:t>
             </a:fld>
             <a:endParaRPr lang="en-US">
               <a:solidFill>
@@ -4489,7 +4760,7 @@
 </p:sld>
 </file>
 
-<file path=ppt/slides/slide13.xml><?xml version="1.0" encoding="utf-8"?>
+<file path=ppt/slides/slide14.xml><?xml version="1.0" encoding="utf-8"?>
 <p:sld xmlns:a="http://schemas.openxmlformats.org/drawingml/2006/main" xmlns:r="http://schemas.openxmlformats.org/officeDocument/2006/relationships" xmlns:p="http://schemas.openxmlformats.org/presentationml/2006/main">
   <p:cSld>
     <p:spTree>
@@ -4560,7 +4831,7 @@
                 </a:solidFill>
               </a:rPr>
               <a:pPr/>
-              <a:t>13</a:t>
+              <a:t>14</a:t>
             </a:fld>
             <a:endParaRPr lang="en-US">
               <a:solidFill>
@@ -4938,7 +5209,7 @@
 </p:sld>
 </file>
 
-<file path=ppt/slides/slide14.xml><?xml version="1.0" encoding="utf-8"?>
+<file path=ppt/slides/slide15.xml><?xml version="1.0" encoding="utf-8"?>
 <p:sld xmlns:a="http://schemas.openxmlformats.org/drawingml/2006/main" xmlns:r="http://schemas.openxmlformats.org/officeDocument/2006/relationships" xmlns:p="http://schemas.openxmlformats.org/presentationml/2006/main">
   <p:cSld>
     <p:spTree>
@@ -5001,7 +5272,7 @@
                 </a:solidFill>
               </a:rPr>
               <a:pPr/>
-              <a:t>14</a:t>
+              <a:t>15</a:t>
             </a:fld>
             <a:endParaRPr lang="en-US">
               <a:solidFill>
@@ -5169,7 +5440,7 @@
 </p:sld>
 </file>
 
-<file path=ppt/slides/slide15.xml><?xml version="1.0" encoding="utf-8"?>
+<file path=ppt/slides/slide16.xml><?xml version="1.0" encoding="utf-8"?>
 <p:sld xmlns:a="http://schemas.openxmlformats.org/drawingml/2006/main" xmlns:r="http://schemas.openxmlformats.org/officeDocument/2006/relationships" xmlns:p="http://schemas.openxmlformats.org/presentationml/2006/main">
   <p:cSld>
     <p:spTree>
@@ -5232,7 +5503,7 @@
                 </a:solidFill>
               </a:rPr>
               <a:pPr/>
-              <a:t>15</a:t>
+              <a:t>16</a:t>
             </a:fld>
             <a:endParaRPr lang="en-US">
               <a:solidFill>
@@ -5558,7 +5829,7 @@
 </p:sld>
 </file>
 
-<file path=ppt/slides/slide16.xml><?xml version="1.0" encoding="utf-8"?>
+<file path=ppt/slides/slide17.xml><?xml version="1.0" encoding="utf-8"?>
 <p:sld xmlns:a="http://schemas.openxmlformats.org/drawingml/2006/main" xmlns:r="http://schemas.openxmlformats.org/officeDocument/2006/relationships" xmlns:p="http://schemas.openxmlformats.org/presentationml/2006/main">
   <p:cSld>
     <p:spTree>
@@ -5629,7 +5900,7 @@
                 </a:solidFill>
               </a:rPr>
               <a:pPr/>
-              <a:t>16</a:t>
+              <a:t>17</a:t>
             </a:fld>
             <a:endParaRPr lang="en-US">
               <a:solidFill>
@@ -5980,7 +6251,7 @@
 </p:sld>
 </file>
 
-<file path=ppt/slides/slide17.xml><?xml version="1.0" encoding="utf-8"?>
+<file path=ppt/slides/slide18.xml><?xml version="1.0" encoding="utf-8"?>
 <p:sld xmlns:a="http://schemas.openxmlformats.org/drawingml/2006/main" xmlns:r="http://schemas.openxmlformats.org/officeDocument/2006/relationships" xmlns:p="http://schemas.openxmlformats.org/presentationml/2006/main">
   <p:cSld>
     <p:spTree>
@@ -6051,7 +6322,7 @@
                 </a:solidFill>
               </a:rPr>
               <a:pPr/>
-              <a:t>17</a:t>
+              <a:t>18</a:t>
             </a:fld>
             <a:endParaRPr lang="en-US">
               <a:solidFill>
@@ -6275,7 +6546,7 @@
 </p:sld>
 </file>
 
-<file path=ppt/slides/slide18.xml><?xml version="1.0" encoding="utf-8"?>
+<file path=ppt/slides/slide19.xml><?xml version="1.0" encoding="utf-8"?>
 <p:sld xmlns:a="http://schemas.openxmlformats.org/drawingml/2006/main" xmlns:r="http://schemas.openxmlformats.org/officeDocument/2006/relationships" xmlns:p="http://schemas.openxmlformats.org/presentationml/2006/main">
   <p:cSld>
     <p:spTree>
@@ -6338,7 +6609,7 @@
                 </a:solidFill>
               </a:rPr>
               <a:pPr/>
-              <a:t>18</a:t>
+              <a:t>19</a:t>
             </a:fld>
             <a:endParaRPr lang="en-US">
               <a:solidFill>
@@ -7211,592 +7482,6 @@
         </p:cTn>
       </p:par>
     </p:tnLst>
-  </p:timing>
-</p:sld>
-</file>
-
-<file path=ppt/slides/slide19.xml><?xml version="1.0" encoding="utf-8"?>
-<p:sld xmlns:a="http://schemas.openxmlformats.org/drawingml/2006/main" xmlns:r="http://schemas.openxmlformats.org/officeDocument/2006/relationships" xmlns:p="http://schemas.openxmlformats.org/presentationml/2006/main">
-  <p:cSld>
-    <p:spTree>
-      <p:nvGrpSpPr>
-        <p:cNvPr id="1" name=""/>
-        <p:cNvGrpSpPr/>
-        <p:nvPr/>
-      </p:nvGrpSpPr>
-      <p:grpSpPr>
-        <a:xfrm>
-          <a:off x="0" y="0"/>
-          <a:ext cx="0" cy="0"/>
-          <a:chOff x="0" y="0"/>
-          <a:chExt cx="0" cy="0"/>
-        </a:xfrm>
-      </p:grpSpPr>
-      <p:sp>
-        <p:nvSpPr>
-          <p:cNvPr id="2" name="Title 1"/>
-          <p:cNvSpPr>
-            <a:spLocks noGrp="1"/>
-          </p:cNvSpPr>
-          <p:nvPr>
-            <p:ph type="title"/>
-          </p:nvPr>
-        </p:nvSpPr>
-        <p:spPr/>
-        <p:txBody>
-          <a:bodyPr/>
-          <a:lstStyle/>
-          <a:p>
-            <a:r>
-              <a:rPr lang="en-US" dirty="0"/>
-              <a:t>ggplot2: </a:t>
-            </a:r>
-            <a:r>
-              <a:rPr lang="en-US" dirty="0" err="1"/>
-              <a:t>coords</a:t>
-            </a:r>
-            <a:endParaRPr lang="en-US" dirty="0"/>
-          </a:p>
-        </p:txBody>
-      </p:sp>
-      <p:sp>
-        <p:nvSpPr>
-          <p:cNvPr id="3" name="Slide Number Placeholder 2"/>
-          <p:cNvSpPr>
-            <a:spLocks noGrp="1"/>
-          </p:cNvSpPr>
-          <p:nvPr>
-            <p:ph type="sldNum" sz="quarter" idx="12"/>
-          </p:nvPr>
-        </p:nvSpPr>
-        <p:spPr/>
-        <p:txBody>
-          <a:bodyPr/>
-          <a:lstStyle/>
-          <a:p>
-            <a:fld id="{20401A5A-FA6E-4462-B8C5-A4D4B3FA6BB1}" type="slidenum">
-              <a:rPr lang="en-US" smtClean="0">
-                <a:solidFill>
-                  <a:prstClr val="black">
-                    <a:tint val="75000"/>
-                  </a:prstClr>
-                </a:solidFill>
-              </a:rPr>
-              <a:pPr/>
-              <a:t>19</a:t>
-            </a:fld>
-            <a:endParaRPr lang="en-US">
-              <a:solidFill>
-                <a:prstClr val="black">
-                  <a:tint val="75000"/>
-                </a:prstClr>
-              </a:solidFill>
-            </a:endParaRPr>
-          </a:p>
-        </p:txBody>
-      </p:sp>
-      <p:sp>
-        <p:nvSpPr>
-          <p:cNvPr id="4" name="TextBox 3"/>
-          <p:cNvSpPr txBox="1"/>
-          <p:nvPr/>
-        </p:nvSpPr>
-        <p:spPr>
-          <a:xfrm>
-            <a:off x="423530" y="1219200"/>
-            <a:ext cx="8229600" cy="1200329"/>
-          </a:xfrm>
-          <a:prstGeom prst="rect">
-            <a:avLst/>
-          </a:prstGeom>
-          <a:noFill/>
-        </p:spPr>
-        <p:txBody>
-          <a:bodyPr wrap="square" rtlCol="0">
-            <a:spAutoFit/>
-          </a:bodyPr>
-          <a:lstStyle/>
-          <a:p>
-            <a:r>
-              <a:rPr lang="en-US" dirty="0"/>
-              <a:t>Coordinate systems, </a:t>
-            </a:r>
-            <a:r>
-              <a:rPr lang="en-US" dirty="0" err="1"/>
-              <a:t>coord</a:t>
-            </a:r>
-            <a:r>
-              <a:rPr lang="en-US" dirty="0"/>
-              <a:t>_*() functions,  handle conversion from geometric objects to what you see on a 2D plot. </a:t>
-            </a:r>
-          </a:p>
-          <a:p>
-            <a:pPr marL="285750" indent="-285750">
-              <a:buFont typeface="Arial" panose="020B0604020202020204" pitchFamily="34" charset="0"/>
-              <a:buChar char="•"/>
-            </a:pPr>
-            <a:r>
-              <a:rPr lang="en-US" dirty="0"/>
-              <a:t>A simple bar chart, standard coordinates</a:t>
-            </a:r>
-          </a:p>
-          <a:p>
-            <a:pPr marL="285750" indent="-285750">
-              <a:buFont typeface="Arial" panose="020B0604020202020204" pitchFamily="34" charset="0"/>
-              <a:buChar char="•"/>
-            </a:pPr>
-            <a:r>
-              <a:rPr lang="en-US" dirty="0"/>
-              <a:t>A pie chart is just a bar chart in polar coordinates!</a:t>
-            </a:r>
-          </a:p>
-        </p:txBody>
-      </p:sp>
-      <p:pic>
-        <p:nvPicPr>
-          <p:cNvPr id="5" name="Picture 4"/>
-          <p:cNvPicPr>
-            <a:picLocks noChangeAspect="1"/>
-          </p:cNvPicPr>
-          <p:nvPr/>
-        </p:nvPicPr>
-        <p:blipFill>
-          <a:blip r:embed="rId2">
-            <a:extLst>
-              <a:ext uri="{28A0092B-C50C-407E-A947-70E740481C1C}">
-                <a14:useLocalDpi xmlns:a14="http://schemas.microsoft.com/office/drawing/2010/main" val="0"/>
-              </a:ext>
-            </a:extLst>
-          </a:blip>
-          <a:stretch>
-            <a:fillRect/>
-          </a:stretch>
-        </p:blipFill>
-        <p:spPr>
-          <a:xfrm>
-            <a:off x="434163" y="3207488"/>
-            <a:ext cx="3833334" cy="3220000"/>
-          </a:xfrm>
-          <a:prstGeom prst="rect">
-            <a:avLst/>
-          </a:prstGeom>
-        </p:spPr>
-      </p:pic>
-      <p:pic>
-        <p:nvPicPr>
-          <p:cNvPr id="6" name="Picture 5"/>
-          <p:cNvPicPr>
-            <a:picLocks noChangeAspect="1"/>
-          </p:cNvPicPr>
-          <p:nvPr/>
-        </p:nvPicPr>
-        <p:blipFill>
-          <a:blip r:embed="rId3">
-            <a:extLst>
-              <a:ext uri="{28A0092B-C50C-407E-A947-70E740481C1C}">
-                <a14:useLocalDpi xmlns:a14="http://schemas.microsoft.com/office/drawing/2010/main" val="0"/>
-              </a:ext>
-            </a:extLst>
-          </a:blip>
-          <a:stretch>
-            <a:fillRect/>
-          </a:stretch>
-        </p:blipFill>
-        <p:spPr>
-          <a:xfrm>
-            <a:off x="4724400" y="3364155"/>
-            <a:ext cx="3673333" cy="2906667"/>
-          </a:xfrm>
-          <a:prstGeom prst="rect">
-            <a:avLst/>
-          </a:prstGeom>
-        </p:spPr>
-      </p:pic>
-      <p:sp>
-        <p:nvSpPr>
-          <p:cNvPr id="7" name="TextBox 6"/>
-          <p:cNvSpPr txBox="1"/>
-          <p:nvPr/>
-        </p:nvSpPr>
-        <p:spPr>
-          <a:xfrm>
-            <a:off x="434163" y="2673096"/>
-            <a:ext cx="4061637" cy="584775"/>
-          </a:xfrm>
-          <a:prstGeom prst="rect">
-            <a:avLst/>
-          </a:prstGeom>
-          <a:solidFill>
-            <a:schemeClr val="accent6">
-              <a:lumMod val="20000"/>
-              <a:lumOff val="80000"/>
-              <a:alpha val="60000"/>
-            </a:schemeClr>
-          </a:solidFill>
-        </p:spPr>
-        <p:txBody>
-          <a:bodyPr wrap="square" rtlCol="0">
-            <a:spAutoFit/>
-          </a:bodyPr>
-          <a:lstStyle/>
-          <a:p>
-            <a:r>
-              <a:rPr lang="en-US" sz="1600" dirty="0">
-                <a:latin typeface="Arial Narrow" panose="020B0606020202030204" pitchFamily="34" charset="0"/>
-              </a:rPr>
-              <a:t>p &lt;- </a:t>
-            </a:r>
-            <a:r>
-              <a:rPr lang="en-US" sz="1600" dirty="0" err="1">
-                <a:latin typeface="Arial Narrow" panose="020B0606020202030204" pitchFamily="34" charset="0"/>
-              </a:rPr>
-              <a:t>ggplot</a:t>
-            </a:r>
-            <a:r>
-              <a:rPr lang="en-US" sz="1600" dirty="0">
-                <a:latin typeface="Arial Narrow" panose="020B0606020202030204" pitchFamily="34" charset="0"/>
-              </a:rPr>
-              <a:t>(</a:t>
-            </a:r>
-            <a:r>
-              <a:rPr lang="en-US" sz="1600" dirty="0" err="1">
-                <a:latin typeface="Arial Narrow" panose="020B0606020202030204" pitchFamily="34" charset="0"/>
-              </a:rPr>
-              <a:t>df</a:t>
-            </a:r>
-            <a:r>
-              <a:rPr lang="en-US" sz="1600" dirty="0">
-                <a:latin typeface="Arial Narrow" panose="020B0606020202030204" pitchFamily="34" charset="0"/>
-              </a:rPr>
-              <a:t>, </a:t>
-            </a:r>
-            <a:r>
-              <a:rPr lang="en-US" sz="1600" dirty="0" err="1">
-                <a:latin typeface="Arial Narrow" panose="020B0606020202030204" pitchFamily="34" charset="0"/>
-              </a:rPr>
-              <a:t>aes</a:t>
-            </a:r>
-            <a:r>
-              <a:rPr lang="en-US" sz="1600" dirty="0">
-                <a:latin typeface="Arial Narrow" panose="020B0606020202030204" pitchFamily="34" charset="0"/>
-              </a:rPr>
-              <a:t>(x = "", y = value, fill = group)) +</a:t>
-            </a:r>
-          </a:p>
-          <a:p>
-            <a:r>
-              <a:rPr lang="en-US" sz="1600" dirty="0">
-                <a:latin typeface="Arial Narrow" panose="020B0606020202030204" pitchFamily="34" charset="0"/>
-              </a:rPr>
-              <a:t>           </a:t>
-            </a:r>
-            <a:r>
-              <a:rPr lang="en-US" sz="1600" dirty="0" err="1">
-                <a:latin typeface="Arial Narrow" panose="020B0606020202030204" pitchFamily="34" charset="0"/>
-              </a:rPr>
-              <a:t>geom_bar</a:t>
-            </a:r>
-            <a:r>
-              <a:rPr lang="en-US" sz="1600" dirty="0">
-                <a:latin typeface="Arial Narrow" panose="020B0606020202030204" pitchFamily="34" charset="0"/>
-              </a:rPr>
-              <a:t>( stat = "identity")</a:t>
-            </a:r>
-          </a:p>
-        </p:txBody>
-      </p:sp>
-      <p:sp>
-        <p:nvSpPr>
-          <p:cNvPr id="8" name="TextBox 7"/>
-          <p:cNvSpPr txBox="1"/>
-          <p:nvPr/>
-        </p:nvSpPr>
-        <p:spPr>
-          <a:xfrm>
-            <a:off x="4808466" y="2674868"/>
-            <a:ext cx="3844664" cy="369332"/>
-          </a:xfrm>
-          <a:prstGeom prst="rect">
-            <a:avLst/>
-          </a:prstGeom>
-          <a:solidFill>
-            <a:schemeClr val="accent6">
-              <a:lumMod val="20000"/>
-              <a:lumOff val="80000"/>
-              <a:alpha val="60000"/>
-            </a:schemeClr>
-          </a:solidFill>
-        </p:spPr>
-        <p:txBody>
-          <a:bodyPr wrap="square" rtlCol="0">
-            <a:spAutoFit/>
-          </a:bodyPr>
-          <a:lstStyle/>
-          <a:p>
-            <a:r>
-              <a:rPr lang="en-US" dirty="0"/>
-              <a:t>p + </a:t>
-            </a:r>
-            <a:r>
-              <a:rPr lang="en-US" dirty="0" err="1"/>
-              <a:t>coord_polar</a:t>
-            </a:r>
-            <a:r>
-              <a:rPr lang="en-US" dirty="0"/>
-              <a:t>("y", start = 0)</a:t>
-            </a:r>
-          </a:p>
-        </p:txBody>
-      </p:sp>
-    </p:spTree>
-    <p:extLst>
-      <p:ext uri="{BB962C8B-B14F-4D97-AF65-F5344CB8AC3E}">
-        <p14:creationId xmlns:p14="http://schemas.microsoft.com/office/powerpoint/2010/main" val="681100570"/>
-      </p:ext>
-    </p:extLst>
-  </p:cSld>
-  <p:clrMapOvr>
-    <a:masterClrMapping/>
-  </p:clrMapOvr>
-  <p:timing>
-    <p:tnLst>
-      <p:par>
-        <p:cTn id="1" dur="indefinite" restart="never" nodeType="tmRoot">
-          <p:childTnLst>
-            <p:seq concurrent="1" nextAc="seek">
-              <p:cTn id="2" dur="indefinite" nodeType="mainSeq">
-                <p:childTnLst>
-                  <p:par>
-                    <p:cTn id="3" fill="hold">
-                      <p:stCondLst>
-                        <p:cond delay="indefinite"/>
-                      </p:stCondLst>
-                      <p:childTnLst>
-                        <p:par>
-                          <p:cTn id="4" fill="hold">
-                            <p:stCondLst>
-                              <p:cond delay="0"/>
-                            </p:stCondLst>
-                            <p:childTnLst>
-                              <p:par>
-                                <p:cTn id="5" presetID="1" presetClass="entr" presetSubtype="0" fill="hold" nodeType="clickEffect">
-                                  <p:stCondLst>
-                                    <p:cond delay="0"/>
-                                  </p:stCondLst>
-                                  <p:childTnLst>
-                                    <p:set>
-                                      <p:cBhvr>
-                                        <p:cTn id="6" dur="1" fill="hold">
-                                          <p:stCondLst>
-                                            <p:cond delay="0"/>
-                                          </p:stCondLst>
-                                        </p:cTn>
-                                        <p:tgtEl>
-                                          <p:spTgt spid="4">
-                                            <p:txEl>
-                                              <p:pRg st="1" end="1"/>
-                                            </p:txEl>
-                                          </p:spTgt>
-                                        </p:tgtEl>
-                                        <p:attrNameLst>
-                                          <p:attrName>style.visibility</p:attrName>
-                                        </p:attrNameLst>
-                                      </p:cBhvr>
-                                      <p:to>
-                                        <p:strVal val="visible"/>
-                                      </p:to>
-                                    </p:set>
-                                  </p:childTnLst>
-                                </p:cTn>
-                              </p:par>
-                              <p:par>
-                                <p:cTn id="7" presetID="1" presetClass="entr" presetSubtype="0" fill="hold" grpId="0" nodeType="withEffect">
-                                  <p:stCondLst>
-                                    <p:cond delay="0"/>
-                                  </p:stCondLst>
-                                  <p:childTnLst>
-                                    <p:set>
-                                      <p:cBhvr>
-                                        <p:cTn id="8" dur="1" fill="hold">
-                                          <p:stCondLst>
-                                            <p:cond delay="0"/>
-                                          </p:stCondLst>
-                                        </p:cTn>
-                                        <p:tgtEl>
-                                          <p:spTgt spid="7"/>
-                                        </p:tgtEl>
-                                        <p:attrNameLst>
-                                          <p:attrName>style.visibility</p:attrName>
-                                        </p:attrNameLst>
-                                      </p:cBhvr>
-                                      <p:to>
-                                        <p:strVal val="visible"/>
-                                      </p:to>
-                                    </p:set>
-                                  </p:childTnLst>
-                                </p:cTn>
-                              </p:par>
-                              <p:par>
-                                <p:cTn id="9" presetID="1" presetClass="entr" presetSubtype="0" fill="hold" nodeType="withEffect">
-                                  <p:stCondLst>
-                                    <p:cond delay="0"/>
-                                  </p:stCondLst>
-                                  <p:childTnLst>
-                                    <p:set>
-                                      <p:cBhvr>
-                                        <p:cTn id="10" dur="1" fill="hold">
-                                          <p:stCondLst>
-                                            <p:cond delay="0"/>
-                                          </p:stCondLst>
-                                        </p:cTn>
-                                        <p:tgtEl>
-                                          <p:spTgt spid="5"/>
-                                        </p:tgtEl>
-                                        <p:attrNameLst>
-                                          <p:attrName>style.visibility</p:attrName>
-                                        </p:attrNameLst>
-                                      </p:cBhvr>
-                                      <p:to>
-                                        <p:strVal val="visible"/>
-                                      </p:to>
-                                    </p:set>
-                                  </p:childTnLst>
-                                </p:cTn>
-                              </p:par>
-                            </p:childTnLst>
-                          </p:cTn>
-                        </p:par>
-                      </p:childTnLst>
-                    </p:cTn>
-                  </p:par>
-                  <p:par>
-                    <p:cTn id="11" fill="hold">
-                      <p:stCondLst>
-                        <p:cond delay="indefinite"/>
-                      </p:stCondLst>
-                      <p:childTnLst>
-                        <p:par>
-                          <p:cTn id="12" fill="hold">
-                            <p:stCondLst>
-                              <p:cond delay="0"/>
-                            </p:stCondLst>
-                            <p:childTnLst>
-                              <p:par>
-                                <p:cTn id="13" presetID="1" presetClass="entr" presetSubtype="0" fill="hold" nodeType="clickEffect">
-                                  <p:stCondLst>
-                                    <p:cond delay="0"/>
-                                  </p:stCondLst>
-                                  <p:childTnLst>
-                                    <p:set>
-                                      <p:cBhvr>
-                                        <p:cTn id="14" dur="1" fill="hold">
-                                          <p:stCondLst>
-                                            <p:cond delay="0"/>
-                                          </p:stCondLst>
-                                        </p:cTn>
-                                        <p:tgtEl>
-                                          <p:spTgt spid="4">
-                                            <p:txEl>
-                                              <p:pRg st="2" end="2"/>
-                                            </p:txEl>
-                                          </p:spTgt>
-                                        </p:tgtEl>
-                                        <p:attrNameLst>
-                                          <p:attrName>style.visibility</p:attrName>
-                                        </p:attrNameLst>
-                                      </p:cBhvr>
-                                      <p:to>
-                                        <p:strVal val="visible"/>
-                                      </p:to>
-                                    </p:set>
-                                  </p:childTnLst>
-                                </p:cTn>
-                              </p:par>
-                              <p:par>
-                                <p:cTn id="15" presetID="1" presetClass="entr" presetSubtype="0" fill="hold" grpId="0" nodeType="withEffect">
-                                  <p:stCondLst>
-                                    <p:cond delay="0"/>
-                                  </p:stCondLst>
-                                  <p:childTnLst>
-                                    <p:set>
-                                      <p:cBhvr>
-                                        <p:cTn id="16" dur="1" fill="hold">
-                                          <p:stCondLst>
-                                            <p:cond delay="0"/>
-                                          </p:stCondLst>
-                                        </p:cTn>
-                                        <p:tgtEl>
-                                          <p:spTgt spid="8"/>
-                                        </p:tgtEl>
-                                        <p:attrNameLst>
-                                          <p:attrName>style.visibility</p:attrName>
-                                        </p:attrNameLst>
-                                      </p:cBhvr>
-                                      <p:to>
-                                        <p:strVal val="visible"/>
-                                      </p:to>
-                                    </p:set>
-                                  </p:childTnLst>
-                                </p:cTn>
-                              </p:par>
-                              <p:par>
-                                <p:cTn id="17" presetID="1" presetClass="entr" presetSubtype="0" fill="hold" nodeType="withEffect">
-                                  <p:stCondLst>
-                                    <p:cond delay="0"/>
-                                  </p:stCondLst>
-                                  <p:childTnLst>
-                                    <p:set>
-                                      <p:cBhvr>
-                                        <p:cTn id="18" dur="1" fill="hold">
-                                          <p:stCondLst>
-                                            <p:cond delay="0"/>
-                                          </p:stCondLst>
-                                        </p:cTn>
-                                        <p:tgtEl>
-                                          <p:spTgt spid="6"/>
-                                        </p:tgtEl>
-                                        <p:attrNameLst>
-                                          <p:attrName>style.visibility</p:attrName>
-                                        </p:attrNameLst>
-                                      </p:cBhvr>
-                                      <p:to>
-                                        <p:strVal val="visible"/>
-                                      </p:to>
-                                    </p:set>
-                                  </p:childTnLst>
-                                </p:cTn>
-                              </p:par>
-                            </p:childTnLst>
-                          </p:cTn>
-                        </p:par>
-                      </p:childTnLst>
-                    </p:cTn>
-                  </p:par>
-                </p:childTnLst>
-              </p:cTn>
-              <p:prevCondLst>
-                <p:cond evt="onPrev" delay="0">
-                  <p:tgtEl>
-                    <p:sldTgt/>
-                  </p:tgtEl>
-                </p:cond>
-              </p:prevCondLst>
-              <p:nextCondLst>
-                <p:cond evt="onNext" delay="0">
-                  <p:tgtEl>
-                    <p:sldTgt/>
-                  </p:tgtEl>
-                </p:cond>
-              </p:nextCondLst>
-            </p:seq>
-          </p:childTnLst>
-        </p:cTn>
-      </p:par>
-    </p:tnLst>
-    <p:bldLst>
-      <p:bldP spid="7" grpId="0" animBg="1"/>
-      <p:bldP spid="8" grpId="0" animBg="1"/>
-    </p:bldLst>
   </p:timing>
 </p:sld>
 </file>
@@ -8578,11 +8263,11 @@
           <a:p>
             <a:r>
               <a:rPr lang="en-US" dirty="0"/>
-              <a:t>Anatomy of a </a:t>
+              <a:t>ggplot2: </a:t>
             </a:r>
             <a:r>
               <a:rPr lang="en-US" dirty="0" err="1"/>
-              <a:t>ggplot</a:t>
+              <a:t>coords</a:t>
             </a:r>
             <a:endParaRPr lang="en-US" dirty="0"/>
           </a:p>
@@ -8613,6 +8298,592 @@
               </a:rPr>
               <a:pPr/>
               <a:t>20</a:t>
+            </a:fld>
+            <a:endParaRPr lang="en-US">
+              <a:solidFill>
+                <a:prstClr val="black">
+                  <a:tint val="75000"/>
+                </a:prstClr>
+              </a:solidFill>
+            </a:endParaRPr>
+          </a:p>
+        </p:txBody>
+      </p:sp>
+      <p:sp>
+        <p:nvSpPr>
+          <p:cNvPr id="4" name="TextBox 3"/>
+          <p:cNvSpPr txBox="1"/>
+          <p:nvPr/>
+        </p:nvSpPr>
+        <p:spPr>
+          <a:xfrm>
+            <a:off x="423530" y="1219200"/>
+            <a:ext cx="8229600" cy="1200329"/>
+          </a:xfrm>
+          <a:prstGeom prst="rect">
+            <a:avLst/>
+          </a:prstGeom>
+          <a:noFill/>
+        </p:spPr>
+        <p:txBody>
+          <a:bodyPr wrap="square" rtlCol="0">
+            <a:spAutoFit/>
+          </a:bodyPr>
+          <a:lstStyle/>
+          <a:p>
+            <a:r>
+              <a:rPr lang="en-US" dirty="0"/>
+              <a:t>Coordinate systems, </a:t>
+            </a:r>
+            <a:r>
+              <a:rPr lang="en-US" dirty="0" err="1"/>
+              <a:t>coord</a:t>
+            </a:r>
+            <a:r>
+              <a:rPr lang="en-US" dirty="0"/>
+              <a:t>_*() functions,  handle conversion from geometric objects to what you see on a 2D plot. </a:t>
+            </a:r>
+          </a:p>
+          <a:p>
+            <a:pPr marL="285750" indent="-285750">
+              <a:buFont typeface="Arial" panose="020B0604020202020204" pitchFamily="34" charset="0"/>
+              <a:buChar char="•"/>
+            </a:pPr>
+            <a:r>
+              <a:rPr lang="en-US" dirty="0"/>
+              <a:t>A simple bar chart, standard coordinates</a:t>
+            </a:r>
+          </a:p>
+          <a:p>
+            <a:pPr marL="285750" indent="-285750">
+              <a:buFont typeface="Arial" panose="020B0604020202020204" pitchFamily="34" charset="0"/>
+              <a:buChar char="•"/>
+            </a:pPr>
+            <a:r>
+              <a:rPr lang="en-US" dirty="0"/>
+              <a:t>A pie chart is just a bar chart in polar coordinates!</a:t>
+            </a:r>
+          </a:p>
+        </p:txBody>
+      </p:sp>
+      <p:pic>
+        <p:nvPicPr>
+          <p:cNvPr id="5" name="Picture 4"/>
+          <p:cNvPicPr>
+            <a:picLocks noChangeAspect="1"/>
+          </p:cNvPicPr>
+          <p:nvPr/>
+        </p:nvPicPr>
+        <p:blipFill>
+          <a:blip r:embed="rId2">
+            <a:extLst>
+              <a:ext uri="{28A0092B-C50C-407E-A947-70E740481C1C}">
+                <a14:useLocalDpi xmlns:a14="http://schemas.microsoft.com/office/drawing/2010/main" val="0"/>
+              </a:ext>
+            </a:extLst>
+          </a:blip>
+          <a:stretch>
+            <a:fillRect/>
+          </a:stretch>
+        </p:blipFill>
+        <p:spPr>
+          <a:xfrm>
+            <a:off x="434163" y="3207488"/>
+            <a:ext cx="3833334" cy="3220000"/>
+          </a:xfrm>
+          <a:prstGeom prst="rect">
+            <a:avLst/>
+          </a:prstGeom>
+        </p:spPr>
+      </p:pic>
+      <p:pic>
+        <p:nvPicPr>
+          <p:cNvPr id="6" name="Picture 5"/>
+          <p:cNvPicPr>
+            <a:picLocks noChangeAspect="1"/>
+          </p:cNvPicPr>
+          <p:nvPr/>
+        </p:nvPicPr>
+        <p:blipFill>
+          <a:blip r:embed="rId3">
+            <a:extLst>
+              <a:ext uri="{28A0092B-C50C-407E-A947-70E740481C1C}">
+                <a14:useLocalDpi xmlns:a14="http://schemas.microsoft.com/office/drawing/2010/main" val="0"/>
+              </a:ext>
+            </a:extLst>
+          </a:blip>
+          <a:stretch>
+            <a:fillRect/>
+          </a:stretch>
+        </p:blipFill>
+        <p:spPr>
+          <a:xfrm>
+            <a:off x="4724400" y="3364155"/>
+            <a:ext cx="3673333" cy="2906667"/>
+          </a:xfrm>
+          <a:prstGeom prst="rect">
+            <a:avLst/>
+          </a:prstGeom>
+        </p:spPr>
+      </p:pic>
+      <p:sp>
+        <p:nvSpPr>
+          <p:cNvPr id="7" name="TextBox 6"/>
+          <p:cNvSpPr txBox="1"/>
+          <p:nvPr/>
+        </p:nvSpPr>
+        <p:spPr>
+          <a:xfrm>
+            <a:off x="434163" y="2673096"/>
+            <a:ext cx="4061637" cy="584775"/>
+          </a:xfrm>
+          <a:prstGeom prst="rect">
+            <a:avLst/>
+          </a:prstGeom>
+          <a:solidFill>
+            <a:schemeClr val="accent6">
+              <a:lumMod val="20000"/>
+              <a:lumOff val="80000"/>
+              <a:alpha val="60000"/>
+            </a:schemeClr>
+          </a:solidFill>
+        </p:spPr>
+        <p:txBody>
+          <a:bodyPr wrap="square" rtlCol="0">
+            <a:spAutoFit/>
+          </a:bodyPr>
+          <a:lstStyle/>
+          <a:p>
+            <a:r>
+              <a:rPr lang="en-US" sz="1600" dirty="0">
+                <a:latin typeface="Arial Narrow" panose="020B0606020202030204" pitchFamily="34" charset="0"/>
+              </a:rPr>
+              <a:t>p &lt;- </a:t>
+            </a:r>
+            <a:r>
+              <a:rPr lang="en-US" sz="1600" dirty="0" err="1">
+                <a:latin typeface="Arial Narrow" panose="020B0606020202030204" pitchFamily="34" charset="0"/>
+              </a:rPr>
+              <a:t>ggplot</a:t>
+            </a:r>
+            <a:r>
+              <a:rPr lang="en-US" sz="1600" dirty="0">
+                <a:latin typeface="Arial Narrow" panose="020B0606020202030204" pitchFamily="34" charset="0"/>
+              </a:rPr>
+              <a:t>(</a:t>
+            </a:r>
+            <a:r>
+              <a:rPr lang="en-US" sz="1600" dirty="0" err="1">
+                <a:latin typeface="Arial Narrow" panose="020B0606020202030204" pitchFamily="34" charset="0"/>
+              </a:rPr>
+              <a:t>df</a:t>
+            </a:r>
+            <a:r>
+              <a:rPr lang="en-US" sz="1600" dirty="0">
+                <a:latin typeface="Arial Narrow" panose="020B0606020202030204" pitchFamily="34" charset="0"/>
+              </a:rPr>
+              <a:t>, </a:t>
+            </a:r>
+            <a:r>
+              <a:rPr lang="en-US" sz="1600" dirty="0" err="1">
+                <a:latin typeface="Arial Narrow" panose="020B0606020202030204" pitchFamily="34" charset="0"/>
+              </a:rPr>
+              <a:t>aes</a:t>
+            </a:r>
+            <a:r>
+              <a:rPr lang="en-US" sz="1600" dirty="0">
+                <a:latin typeface="Arial Narrow" panose="020B0606020202030204" pitchFamily="34" charset="0"/>
+              </a:rPr>
+              <a:t>(x = "", y = value, fill = group)) +</a:t>
+            </a:r>
+          </a:p>
+          <a:p>
+            <a:r>
+              <a:rPr lang="en-US" sz="1600" dirty="0">
+                <a:latin typeface="Arial Narrow" panose="020B0606020202030204" pitchFamily="34" charset="0"/>
+              </a:rPr>
+              <a:t>           </a:t>
+            </a:r>
+            <a:r>
+              <a:rPr lang="en-US" sz="1600" dirty="0" err="1">
+                <a:latin typeface="Arial Narrow" panose="020B0606020202030204" pitchFamily="34" charset="0"/>
+              </a:rPr>
+              <a:t>geom_bar</a:t>
+            </a:r>
+            <a:r>
+              <a:rPr lang="en-US" sz="1600" dirty="0">
+                <a:latin typeface="Arial Narrow" panose="020B0606020202030204" pitchFamily="34" charset="0"/>
+              </a:rPr>
+              <a:t>( stat = "identity")</a:t>
+            </a:r>
+          </a:p>
+        </p:txBody>
+      </p:sp>
+      <p:sp>
+        <p:nvSpPr>
+          <p:cNvPr id="8" name="TextBox 7"/>
+          <p:cNvSpPr txBox="1"/>
+          <p:nvPr/>
+        </p:nvSpPr>
+        <p:spPr>
+          <a:xfrm>
+            <a:off x="4808466" y="2674868"/>
+            <a:ext cx="3844664" cy="369332"/>
+          </a:xfrm>
+          <a:prstGeom prst="rect">
+            <a:avLst/>
+          </a:prstGeom>
+          <a:solidFill>
+            <a:schemeClr val="accent6">
+              <a:lumMod val="20000"/>
+              <a:lumOff val="80000"/>
+              <a:alpha val="60000"/>
+            </a:schemeClr>
+          </a:solidFill>
+        </p:spPr>
+        <p:txBody>
+          <a:bodyPr wrap="square" rtlCol="0">
+            <a:spAutoFit/>
+          </a:bodyPr>
+          <a:lstStyle/>
+          <a:p>
+            <a:r>
+              <a:rPr lang="en-US" dirty="0"/>
+              <a:t>p + </a:t>
+            </a:r>
+            <a:r>
+              <a:rPr lang="en-US" dirty="0" err="1"/>
+              <a:t>coord_polar</a:t>
+            </a:r>
+            <a:r>
+              <a:rPr lang="en-US" dirty="0"/>
+              <a:t>("y", start = 0)</a:t>
+            </a:r>
+          </a:p>
+        </p:txBody>
+      </p:sp>
+    </p:spTree>
+    <p:extLst>
+      <p:ext uri="{BB962C8B-B14F-4D97-AF65-F5344CB8AC3E}">
+        <p14:creationId xmlns:p14="http://schemas.microsoft.com/office/powerpoint/2010/main" val="681100570"/>
+      </p:ext>
+    </p:extLst>
+  </p:cSld>
+  <p:clrMapOvr>
+    <a:masterClrMapping/>
+  </p:clrMapOvr>
+  <p:timing>
+    <p:tnLst>
+      <p:par>
+        <p:cTn id="1" dur="indefinite" restart="never" nodeType="tmRoot">
+          <p:childTnLst>
+            <p:seq concurrent="1" nextAc="seek">
+              <p:cTn id="2" dur="indefinite" nodeType="mainSeq">
+                <p:childTnLst>
+                  <p:par>
+                    <p:cTn id="3" fill="hold">
+                      <p:stCondLst>
+                        <p:cond delay="indefinite"/>
+                      </p:stCondLst>
+                      <p:childTnLst>
+                        <p:par>
+                          <p:cTn id="4" fill="hold">
+                            <p:stCondLst>
+                              <p:cond delay="0"/>
+                            </p:stCondLst>
+                            <p:childTnLst>
+                              <p:par>
+                                <p:cTn id="5" presetID="1" presetClass="entr" presetSubtype="0" fill="hold" nodeType="clickEffect">
+                                  <p:stCondLst>
+                                    <p:cond delay="0"/>
+                                  </p:stCondLst>
+                                  <p:childTnLst>
+                                    <p:set>
+                                      <p:cBhvr>
+                                        <p:cTn id="6" dur="1" fill="hold">
+                                          <p:stCondLst>
+                                            <p:cond delay="0"/>
+                                          </p:stCondLst>
+                                        </p:cTn>
+                                        <p:tgtEl>
+                                          <p:spTgt spid="4">
+                                            <p:txEl>
+                                              <p:pRg st="1" end="1"/>
+                                            </p:txEl>
+                                          </p:spTgt>
+                                        </p:tgtEl>
+                                        <p:attrNameLst>
+                                          <p:attrName>style.visibility</p:attrName>
+                                        </p:attrNameLst>
+                                      </p:cBhvr>
+                                      <p:to>
+                                        <p:strVal val="visible"/>
+                                      </p:to>
+                                    </p:set>
+                                  </p:childTnLst>
+                                </p:cTn>
+                              </p:par>
+                              <p:par>
+                                <p:cTn id="7" presetID="1" presetClass="entr" presetSubtype="0" fill="hold" grpId="0" nodeType="withEffect">
+                                  <p:stCondLst>
+                                    <p:cond delay="0"/>
+                                  </p:stCondLst>
+                                  <p:childTnLst>
+                                    <p:set>
+                                      <p:cBhvr>
+                                        <p:cTn id="8" dur="1" fill="hold">
+                                          <p:stCondLst>
+                                            <p:cond delay="0"/>
+                                          </p:stCondLst>
+                                        </p:cTn>
+                                        <p:tgtEl>
+                                          <p:spTgt spid="7"/>
+                                        </p:tgtEl>
+                                        <p:attrNameLst>
+                                          <p:attrName>style.visibility</p:attrName>
+                                        </p:attrNameLst>
+                                      </p:cBhvr>
+                                      <p:to>
+                                        <p:strVal val="visible"/>
+                                      </p:to>
+                                    </p:set>
+                                  </p:childTnLst>
+                                </p:cTn>
+                              </p:par>
+                              <p:par>
+                                <p:cTn id="9" presetID="1" presetClass="entr" presetSubtype="0" fill="hold" nodeType="withEffect">
+                                  <p:stCondLst>
+                                    <p:cond delay="0"/>
+                                  </p:stCondLst>
+                                  <p:childTnLst>
+                                    <p:set>
+                                      <p:cBhvr>
+                                        <p:cTn id="10" dur="1" fill="hold">
+                                          <p:stCondLst>
+                                            <p:cond delay="0"/>
+                                          </p:stCondLst>
+                                        </p:cTn>
+                                        <p:tgtEl>
+                                          <p:spTgt spid="5"/>
+                                        </p:tgtEl>
+                                        <p:attrNameLst>
+                                          <p:attrName>style.visibility</p:attrName>
+                                        </p:attrNameLst>
+                                      </p:cBhvr>
+                                      <p:to>
+                                        <p:strVal val="visible"/>
+                                      </p:to>
+                                    </p:set>
+                                  </p:childTnLst>
+                                </p:cTn>
+                              </p:par>
+                            </p:childTnLst>
+                          </p:cTn>
+                        </p:par>
+                      </p:childTnLst>
+                    </p:cTn>
+                  </p:par>
+                  <p:par>
+                    <p:cTn id="11" fill="hold">
+                      <p:stCondLst>
+                        <p:cond delay="indefinite"/>
+                      </p:stCondLst>
+                      <p:childTnLst>
+                        <p:par>
+                          <p:cTn id="12" fill="hold">
+                            <p:stCondLst>
+                              <p:cond delay="0"/>
+                            </p:stCondLst>
+                            <p:childTnLst>
+                              <p:par>
+                                <p:cTn id="13" presetID="1" presetClass="entr" presetSubtype="0" fill="hold" nodeType="clickEffect">
+                                  <p:stCondLst>
+                                    <p:cond delay="0"/>
+                                  </p:stCondLst>
+                                  <p:childTnLst>
+                                    <p:set>
+                                      <p:cBhvr>
+                                        <p:cTn id="14" dur="1" fill="hold">
+                                          <p:stCondLst>
+                                            <p:cond delay="0"/>
+                                          </p:stCondLst>
+                                        </p:cTn>
+                                        <p:tgtEl>
+                                          <p:spTgt spid="4">
+                                            <p:txEl>
+                                              <p:pRg st="2" end="2"/>
+                                            </p:txEl>
+                                          </p:spTgt>
+                                        </p:tgtEl>
+                                        <p:attrNameLst>
+                                          <p:attrName>style.visibility</p:attrName>
+                                        </p:attrNameLst>
+                                      </p:cBhvr>
+                                      <p:to>
+                                        <p:strVal val="visible"/>
+                                      </p:to>
+                                    </p:set>
+                                  </p:childTnLst>
+                                </p:cTn>
+                              </p:par>
+                              <p:par>
+                                <p:cTn id="15" presetID="1" presetClass="entr" presetSubtype="0" fill="hold" grpId="0" nodeType="withEffect">
+                                  <p:stCondLst>
+                                    <p:cond delay="0"/>
+                                  </p:stCondLst>
+                                  <p:childTnLst>
+                                    <p:set>
+                                      <p:cBhvr>
+                                        <p:cTn id="16" dur="1" fill="hold">
+                                          <p:stCondLst>
+                                            <p:cond delay="0"/>
+                                          </p:stCondLst>
+                                        </p:cTn>
+                                        <p:tgtEl>
+                                          <p:spTgt spid="8"/>
+                                        </p:tgtEl>
+                                        <p:attrNameLst>
+                                          <p:attrName>style.visibility</p:attrName>
+                                        </p:attrNameLst>
+                                      </p:cBhvr>
+                                      <p:to>
+                                        <p:strVal val="visible"/>
+                                      </p:to>
+                                    </p:set>
+                                  </p:childTnLst>
+                                </p:cTn>
+                              </p:par>
+                              <p:par>
+                                <p:cTn id="17" presetID="1" presetClass="entr" presetSubtype="0" fill="hold" nodeType="withEffect">
+                                  <p:stCondLst>
+                                    <p:cond delay="0"/>
+                                  </p:stCondLst>
+                                  <p:childTnLst>
+                                    <p:set>
+                                      <p:cBhvr>
+                                        <p:cTn id="18" dur="1" fill="hold">
+                                          <p:stCondLst>
+                                            <p:cond delay="0"/>
+                                          </p:stCondLst>
+                                        </p:cTn>
+                                        <p:tgtEl>
+                                          <p:spTgt spid="6"/>
+                                        </p:tgtEl>
+                                        <p:attrNameLst>
+                                          <p:attrName>style.visibility</p:attrName>
+                                        </p:attrNameLst>
+                                      </p:cBhvr>
+                                      <p:to>
+                                        <p:strVal val="visible"/>
+                                      </p:to>
+                                    </p:set>
+                                  </p:childTnLst>
+                                </p:cTn>
+                              </p:par>
+                            </p:childTnLst>
+                          </p:cTn>
+                        </p:par>
+                      </p:childTnLst>
+                    </p:cTn>
+                  </p:par>
+                </p:childTnLst>
+              </p:cTn>
+              <p:prevCondLst>
+                <p:cond evt="onPrev" delay="0">
+                  <p:tgtEl>
+                    <p:sldTgt/>
+                  </p:tgtEl>
+                </p:cond>
+              </p:prevCondLst>
+              <p:nextCondLst>
+                <p:cond evt="onNext" delay="0">
+                  <p:tgtEl>
+                    <p:sldTgt/>
+                  </p:tgtEl>
+                </p:cond>
+              </p:nextCondLst>
+            </p:seq>
+          </p:childTnLst>
+        </p:cTn>
+      </p:par>
+    </p:tnLst>
+    <p:bldLst>
+      <p:bldP spid="7" grpId="0" animBg="1"/>
+      <p:bldP spid="8" grpId="0" animBg="1"/>
+    </p:bldLst>
+  </p:timing>
+</p:sld>
+</file>
+
+<file path=ppt/slides/slide21.xml><?xml version="1.0" encoding="utf-8"?>
+<p:sld xmlns:a="http://schemas.openxmlformats.org/drawingml/2006/main" xmlns:r="http://schemas.openxmlformats.org/officeDocument/2006/relationships" xmlns:p="http://schemas.openxmlformats.org/presentationml/2006/main">
+  <p:cSld>
+    <p:spTree>
+      <p:nvGrpSpPr>
+        <p:cNvPr id="1" name=""/>
+        <p:cNvGrpSpPr/>
+        <p:nvPr/>
+      </p:nvGrpSpPr>
+      <p:grpSpPr>
+        <a:xfrm>
+          <a:off x="0" y="0"/>
+          <a:ext cx="0" cy="0"/>
+          <a:chOff x="0" y="0"/>
+          <a:chExt cx="0" cy="0"/>
+        </a:xfrm>
+      </p:grpSpPr>
+      <p:sp>
+        <p:nvSpPr>
+          <p:cNvPr id="2" name="Title 1"/>
+          <p:cNvSpPr>
+            <a:spLocks noGrp="1"/>
+          </p:cNvSpPr>
+          <p:nvPr>
+            <p:ph type="title"/>
+          </p:nvPr>
+        </p:nvSpPr>
+        <p:spPr/>
+        <p:txBody>
+          <a:bodyPr/>
+          <a:lstStyle/>
+          <a:p>
+            <a:r>
+              <a:rPr lang="en-US" dirty="0"/>
+              <a:t>Anatomy of a </a:t>
+            </a:r>
+            <a:r>
+              <a:rPr lang="en-US" dirty="0" err="1"/>
+              <a:t>ggplot</a:t>
+            </a:r>
+            <a:endParaRPr lang="en-US" dirty="0"/>
+          </a:p>
+        </p:txBody>
+      </p:sp>
+      <p:sp>
+        <p:nvSpPr>
+          <p:cNvPr id="3" name="Slide Number Placeholder 2"/>
+          <p:cNvSpPr>
+            <a:spLocks noGrp="1"/>
+          </p:cNvSpPr>
+          <p:nvPr>
+            <p:ph type="sldNum" sz="quarter" idx="12"/>
+          </p:nvPr>
+        </p:nvSpPr>
+        <p:spPr/>
+        <p:txBody>
+          <a:bodyPr/>
+          <a:lstStyle/>
+          <a:p>
+            <a:fld id="{20401A5A-FA6E-4462-B8C5-A4D4B3FA6BB1}" type="slidenum">
+              <a:rPr lang="en-US" smtClean="0">
+                <a:solidFill>
+                  <a:prstClr val="black">
+                    <a:tint val="75000"/>
+                  </a:prstClr>
+                </a:solidFill>
+              </a:rPr>
+              <a:pPr/>
+              <a:t>21</a:t>
             </a:fld>
             <a:endParaRPr lang="en-US">
               <a:solidFill>
@@ -8718,473 +8989,6 @@
 </p:sld>
 </file>
 
-<file path=ppt/slides/slide21.xml><?xml version="1.0" encoding="utf-8"?>
-<p:sld xmlns:a="http://schemas.openxmlformats.org/drawingml/2006/main" xmlns:r="http://schemas.openxmlformats.org/officeDocument/2006/relationships" xmlns:p="http://schemas.openxmlformats.org/presentationml/2006/main">
-  <p:cSld>
-    <p:spTree>
-      <p:nvGrpSpPr>
-        <p:cNvPr id="1" name=""/>
-        <p:cNvGrpSpPr/>
-        <p:nvPr/>
-      </p:nvGrpSpPr>
-      <p:grpSpPr>
-        <a:xfrm>
-          <a:off x="0" y="0"/>
-          <a:ext cx="0" cy="0"/>
-          <a:chOff x="0" y="0"/>
-          <a:chExt cx="0" cy="0"/>
-        </a:xfrm>
-      </p:grpSpPr>
-      <p:sp>
-        <p:nvSpPr>
-          <p:cNvPr id="2" name="Title 1"/>
-          <p:cNvSpPr>
-            <a:spLocks noGrp="1"/>
-          </p:cNvSpPr>
-          <p:nvPr>
-            <p:ph type="title"/>
-          </p:nvPr>
-        </p:nvSpPr>
-        <p:spPr/>
-        <p:txBody>
-          <a:bodyPr/>
-          <a:lstStyle/>
-          <a:p>
-            <a:r>
-              <a:rPr lang="en-US" dirty="0" err="1"/>
-              <a:t>ggplot</a:t>
-            </a:r>
-            <a:r>
-              <a:rPr lang="en-US" dirty="0"/>
-              <a:t> objects</a:t>
-            </a:r>
-          </a:p>
-        </p:txBody>
-      </p:sp>
-      <p:sp>
-        <p:nvSpPr>
-          <p:cNvPr id="3" name="Slide Number Placeholder 2"/>
-          <p:cNvSpPr>
-            <a:spLocks noGrp="1"/>
-          </p:cNvSpPr>
-          <p:nvPr>
-            <p:ph type="sldNum" sz="quarter" idx="12"/>
-          </p:nvPr>
-        </p:nvSpPr>
-        <p:spPr/>
-        <p:txBody>
-          <a:bodyPr/>
-          <a:lstStyle/>
-          <a:p>
-            <a:fld id="{20401A5A-FA6E-4462-B8C5-A4D4B3FA6BB1}" type="slidenum">
-              <a:rPr lang="en-US" smtClean="0">
-                <a:solidFill>
-                  <a:prstClr val="black">
-                    <a:tint val="75000"/>
-                  </a:prstClr>
-                </a:solidFill>
-              </a:rPr>
-              <a:pPr/>
-              <a:t>21</a:t>
-            </a:fld>
-            <a:endParaRPr lang="en-US">
-              <a:solidFill>
-                <a:prstClr val="black">
-                  <a:tint val="75000"/>
-                </a:prstClr>
-              </a:solidFill>
-            </a:endParaRPr>
-          </a:p>
-        </p:txBody>
-      </p:sp>
-      <p:sp>
-        <p:nvSpPr>
-          <p:cNvPr id="4" name="TextBox 3"/>
-          <p:cNvSpPr txBox="1"/>
-          <p:nvPr/>
-        </p:nvSpPr>
-        <p:spPr>
-          <a:xfrm>
-            <a:off x="457200" y="1371600"/>
-            <a:ext cx="8305800" cy="784830"/>
-          </a:xfrm>
-          <a:prstGeom prst="rect">
-            <a:avLst/>
-          </a:prstGeom>
-          <a:noFill/>
-        </p:spPr>
-        <p:txBody>
-          <a:bodyPr wrap="square" rtlCol="0">
-            <a:spAutoFit/>
-          </a:bodyPr>
-          <a:lstStyle/>
-          <a:p>
-            <a:pPr>
-              <a:spcAft>
-                <a:spcPts val="600"/>
-              </a:spcAft>
-            </a:pPr>
-            <a:r>
-              <a:rPr lang="en-US" sz="2000" dirty="0"/>
-              <a:t>Traditional R graphics just produce graphical output on a device</a:t>
-            </a:r>
-          </a:p>
-          <a:p>
-            <a:pPr>
-              <a:spcAft>
-                <a:spcPts val="600"/>
-              </a:spcAft>
-            </a:pPr>
-            <a:r>
-              <a:rPr lang="en-US" sz="2000" dirty="0"/>
-              <a:t>However, </a:t>
-            </a:r>
-            <a:r>
-              <a:rPr lang="en-US" sz="2000" dirty="0" err="1"/>
-              <a:t>ggplot</a:t>
-            </a:r>
-            <a:r>
-              <a:rPr lang="en-US" sz="2000" dirty="0"/>
-              <a:t>() produces a “</a:t>
-            </a:r>
-            <a:r>
-              <a:rPr lang="en-US" sz="2000" dirty="0" err="1"/>
-              <a:t>ggplot</a:t>
-            </a:r>
-            <a:r>
-              <a:rPr lang="en-US" sz="2000" dirty="0"/>
-              <a:t>” object, a list of elements </a:t>
-            </a:r>
-          </a:p>
-        </p:txBody>
-      </p:sp>
-      <p:sp>
-        <p:nvSpPr>
-          <p:cNvPr id="5" name="TextBox 4"/>
-          <p:cNvSpPr txBox="1"/>
-          <p:nvPr/>
-        </p:nvSpPr>
-        <p:spPr>
-          <a:xfrm>
-            <a:off x="457200" y="2590800"/>
-            <a:ext cx="6795655" cy="1477328"/>
-          </a:xfrm>
-          <a:prstGeom prst="rect">
-            <a:avLst/>
-          </a:prstGeom>
-          <a:solidFill>
-            <a:schemeClr val="accent6">
-              <a:lumMod val="20000"/>
-              <a:lumOff val="80000"/>
-              <a:alpha val="60000"/>
-            </a:schemeClr>
-          </a:solidFill>
-        </p:spPr>
-        <p:txBody>
-          <a:bodyPr wrap="square" rtlCol="0">
-            <a:spAutoFit/>
-          </a:bodyPr>
-          <a:lstStyle/>
-          <a:p>
-            <a:r>
-              <a:rPr lang="en-US" dirty="0">
-                <a:latin typeface="Arial Narrow" panose="020B0606020202030204" pitchFamily="34" charset="0"/>
-              </a:rPr>
-              <a:t>&gt; names(</a:t>
-            </a:r>
-            <a:r>
-              <a:rPr lang="en-US" dirty="0" err="1">
-                <a:latin typeface="Arial Narrow" panose="020B0606020202030204" pitchFamily="34" charset="0"/>
-              </a:rPr>
-              <a:t>plt</a:t>
-            </a:r>
-            <a:r>
-              <a:rPr lang="en-US" dirty="0">
-                <a:latin typeface="Arial Narrow" panose="020B0606020202030204" pitchFamily="34" charset="0"/>
-              </a:rPr>
-              <a:t>)</a:t>
-            </a:r>
-          </a:p>
-          <a:p>
-            <a:r>
-              <a:rPr lang="en-US" dirty="0">
-                <a:latin typeface="Arial Narrow" panose="020B0606020202030204" pitchFamily="34" charset="0"/>
-              </a:rPr>
-              <a:t>[1] "data"        "layers"      "scales"      "mapping"     "theme"       "coordinates"</a:t>
-            </a:r>
-          </a:p>
-          <a:p>
-            <a:r>
-              <a:rPr lang="en-US" dirty="0">
-                <a:latin typeface="Arial Narrow" panose="020B0606020202030204" pitchFamily="34" charset="0"/>
-              </a:rPr>
-              <a:t>[7] "facet"       "</a:t>
-            </a:r>
-            <a:r>
-              <a:rPr lang="en-US" dirty="0" err="1">
-                <a:latin typeface="Arial Narrow" panose="020B0606020202030204" pitchFamily="34" charset="0"/>
-              </a:rPr>
-              <a:t>plot_env</a:t>
-            </a:r>
-            <a:r>
-              <a:rPr lang="en-US" dirty="0">
-                <a:latin typeface="Arial Narrow" panose="020B0606020202030204" pitchFamily="34" charset="0"/>
-              </a:rPr>
-              <a:t>"    "labels"     </a:t>
-            </a:r>
-          </a:p>
-          <a:p>
-            <a:r>
-              <a:rPr lang="en-US" dirty="0">
-                <a:latin typeface="Arial Narrow" panose="020B0606020202030204" pitchFamily="34" charset="0"/>
-              </a:rPr>
-              <a:t>&gt; class(</a:t>
-            </a:r>
-            <a:r>
-              <a:rPr lang="en-US" dirty="0" err="1">
-                <a:latin typeface="Arial Narrow" panose="020B0606020202030204" pitchFamily="34" charset="0"/>
-              </a:rPr>
-              <a:t>plt</a:t>
-            </a:r>
-            <a:r>
-              <a:rPr lang="en-US" dirty="0">
-                <a:latin typeface="Arial Narrow" panose="020B0606020202030204" pitchFamily="34" charset="0"/>
-              </a:rPr>
-              <a:t>)</a:t>
-            </a:r>
-          </a:p>
-          <a:p>
-            <a:r>
-              <a:rPr lang="en-US" dirty="0">
-                <a:latin typeface="Arial Narrow" panose="020B0606020202030204" pitchFamily="34" charset="0"/>
-              </a:rPr>
-              <a:t>[1] "</a:t>
-            </a:r>
-            <a:r>
-              <a:rPr lang="en-US" dirty="0" err="1">
-                <a:latin typeface="Arial Narrow" panose="020B0606020202030204" pitchFamily="34" charset="0"/>
-              </a:rPr>
-              <a:t>gg</a:t>
-            </a:r>
-            <a:r>
-              <a:rPr lang="en-US" dirty="0">
-                <a:latin typeface="Arial Narrow" panose="020B0606020202030204" pitchFamily="34" charset="0"/>
-              </a:rPr>
-              <a:t>"     "</a:t>
-            </a:r>
-            <a:r>
-              <a:rPr lang="en-US" dirty="0" err="1">
-                <a:latin typeface="Arial Narrow" panose="020B0606020202030204" pitchFamily="34" charset="0"/>
-              </a:rPr>
-              <a:t>ggplot</a:t>
-            </a:r>
-            <a:r>
-              <a:rPr lang="en-US" dirty="0">
-                <a:latin typeface="Arial Narrow" panose="020B0606020202030204" pitchFamily="34" charset="0"/>
-              </a:rPr>
-              <a:t>"</a:t>
-            </a:r>
-          </a:p>
-        </p:txBody>
-      </p:sp>
-      <p:sp>
-        <p:nvSpPr>
-          <p:cNvPr id="6" name="TextBox 5"/>
-          <p:cNvSpPr txBox="1"/>
-          <p:nvPr/>
-        </p:nvSpPr>
-        <p:spPr>
-          <a:xfrm>
-            <a:off x="533400" y="4343400"/>
-            <a:ext cx="8229600" cy="369332"/>
-          </a:xfrm>
-          <a:prstGeom prst="rect">
-            <a:avLst/>
-          </a:prstGeom>
-          <a:noFill/>
-        </p:spPr>
-        <p:txBody>
-          <a:bodyPr wrap="square" rtlCol="0">
-            <a:spAutoFit/>
-          </a:bodyPr>
-          <a:lstStyle/>
-          <a:p>
-            <a:r>
-              <a:rPr lang="en-US" dirty="0"/>
-              <a:t>What methods are available?</a:t>
-            </a:r>
-          </a:p>
-        </p:txBody>
-      </p:sp>
-      <p:sp>
-        <p:nvSpPr>
-          <p:cNvPr id="7" name="TextBox 6"/>
-          <p:cNvSpPr txBox="1"/>
-          <p:nvPr/>
-        </p:nvSpPr>
-        <p:spPr>
-          <a:xfrm>
-            <a:off x="457200" y="4876800"/>
-            <a:ext cx="4724400" cy="1477328"/>
-          </a:xfrm>
-          <a:prstGeom prst="rect">
-            <a:avLst/>
-          </a:prstGeom>
-          <a:solidFill>
-            <a:schemeClr val="accent6">
-              <a:lumMod val="20000"/>
-              <a:lumOff val="80000"/>
-              <a:alpha val="60000"/>
-            </a:schemeClr>
-          </a:solidFill>
-        </p:spPr>
-        <p:txBody>
-          <a:bodyPr wrap="square" rtlCol="0">
-            <a:spAutoFit/>
-          </a:bodyPr>
-          <a:lstStyle/>
-          <a:p>
-            <a:r>
-              <a:rPr lang="en-US" dirty="0">
-                <a:latin typeface="Arial Narrow" panose="020B0606020202030204" pitchFamily="34" charset="0"/>
-              </a:rPr>
-              <a:t>&gt; methods(class="</a:t>
-            </a:r>
-            <a:r>
-              <a:rPr lang="en-US" dirty="0" err="1">
-                <a:latin typeface="Arial Narrow" panose="020B0606020202030204" pitchFamily="34" charset="0"/>
-              </a:rPr>
-              <a:t>gg</a:t>
-            </a:r>
-            <a:r>
-              <a:rPr lang="en-US" dirty="0">
-                <a:latin typeface="Arial Narrow" panose="020B0606020202030204" pitchFamily="34" charset="0"/>
-              </a:rPr>
-              <a:t>")</a:t>
-            </a:r>
-          </a:p>
-          <a:p>
-            <a:r>
-              <a:rPr lang="en-US" dirty="0">
-                <a:latin typeface="Arial Narrow" panose="020B0606020202030204" pitchFamily="34" charset="0"/>
-              </a:rPr>
-              <a:t>[1] +</a:t>
-            </a:r>
-          </a:p>
-          <a:p>
-            <a:endParaRPr lang="en-US" dirty="0">
-              <a:latin typeface="Arial Narrow" panose="020B0606020202030204" pitchFamily="34" charset="0"/>
-            </a:endParaRPr>
-          </a:p>
-          <a:p>
-            <a:r>
-              <a:rPr lang="en-US" dirty="0">
-                <a:latin typeface="Arial Narrow" panose="020B0606020202030204" pitchFamily="34" charset="0"/>
-              </a:rPr>
-              <a:t>&gt; methods(class="</a:t>
-            </a:r>
-            <a:r>
-              <a:rPr lang="en-US" dirty="0" err="1">
-                <a:latin typeface="Arial Narrow" panose="020B0606020202030204" pitchFamily="34" charset="0"/>
-              </a:rPr>
-              <a:t>ggplot</a:t>
-            </a:r>
-            <a:r>
-              <a:rPr lang="en-US" dirty="0">
-                <a:latin typeface="Arial Narrow" panose="020B0606020202030204" pitchFamily="34" charset="0"/>
-              </a:rPr>
-              <a:t>")</a:t>
-            </a:r>
-          </a:p>
-          <a:p>
-            <a:r>
-              <a:rPr lang="en-US" dirty="0">
-                <a:latin typeface="Arial Narrow" panose="020B0606020202030204" pitchFamily="34" charset="0"/>
-              </a:rPr>
-              <a:t>[1] </a:t>
-            </a:r>
-            <a:r>
-              <a:rPr lang="en-US" dirty="0" err="1">
-                <a:latin typeface="Arial Narrow" panose="020B0606020202030204" pitchFamily="34" charset="0"/>
-              </a:rPr>
-              <a:t>grid.draw</a:t>
-            </a:r>
-            <a:r>
-              <a:rPr lang="en-US" dirty="0">
-                <a:latin typeface="Arial Narrow" panose="020B0606020202030204" pitchFamily="34" charset="0"/>
-              </a:rPr>
-              <a:t>     plot      print     summary  </a:t>
-            </a:r>
-          </a:p>
-        </p:txBody>
-      </p:sp>
-      <p:sp>
-        <p:nvSpPr>
-          <p:cNvPr id="8" name="TextBox 7"/>
-          <p:cNvSpPr txBox="1"/>
-          <p:nvPr/>
-        </p:nvSpPr>
-        <p:spPr>
-          <a:xfrm>
-            <a:off x="5410200" y="4953000"/>
-            <a:ext cx="3048000" cy="1477328"/>
-          </a:xfrm>
-          <a:prstGeom prst="rect">
-            <a:avLst/>
-          </a:prstGeom>
-          <a:noFill/>
-        </p:spPr>
-        <p:txBody>
-          <a:bodyPr wrap="square" rtlCol="0">
-            <a:spAutoFit/>
-          </a:bodyPr>
-          <a:lstStyle/>
-          <a:p>
-            <a:r>
-              <a:rPr lang="en-US" dirty="0"/>
-              <a:t>The “</a:t>
-            </a:r>
-            <a:r>
-              <a:rPr lang="en-US" dirty="0" err="1"/>
-              <a:t>gg</a:t>
-            </a:r>
-            <a:r>
-              <a:rPr lang="en-US" dirty="0"/>
-              <a:t>” class provides the “+” method</a:t>
-            </a:r>
-          </a:p>
-          <a:p>
-            <a:endParaRPr lang="en-US" dirty="0"/>
-          </a:p>
-          <a:p>
-            <a:r>
-              <a:rPr lang="en-US" dirty="0"/>
-              <a:t>The “</a:t>
-            </a:r>
-            <a:r>
-              <a:rPr lang="en-US" dirty="0" err="1"/>
-              <a:t>ggplot</a:t>
-            </a:r>
-            <a:r>
-              <a:rPr lang="en-US" dirty="0"/>
-              <a:t>” class provides other, standard methods </a:t>
-            </a:r>
-          </a:p>
-        </p:txBody>
-      </p:sp>
-    </p:spTree>
-    <p:extLst>
-      <p:ext uri="{BB962C8B-B14F-4D97-AF65-F5344CB8AC3E}">
-        <p14:creationId xmlns:p14="http://schemas.microsoft.com/office/powerpoint/2010/main" val="3058104470"/>
-      </p:ext>
-    </p:extLst>
-  </p:cSld>
-  <p:clrMapOvr>
-    <a:masterClrMapping/>
-  </p:clrMapOvr>
-</p:sld>
-</file>
-
 <file path=ppt/slides/slide22.xml><?xml version="1.0" encoding="utf-8"?>
 <p:sld xmlns:a="http://schemas.openxmlformats.org/drawingml/2006/main" xmlns:r="http://schemas.openxmlformats.org/officeDocument/2006/relationships" xmlns:p="http://schemas.openxmlformats.org/presentationml/2006/main">
   <p:cSld>
@@ -9219,11 +9023,11 @@
           <a:p>
             <a:r>
               <a:rPr lang="en-US" dirty="0" err="1"/>
-              <a:t>Playfair</a:t>
+              <a:t>ggplot</a:t>
             </a:r>
             <a:r>
               <a:rPr lang="en-US" dirty="0"/>
-              <a:t>: Balance of trade charts</a:t>
+              <a:t> objects</a:t>
             </a:r>
           </a:p>
         </p:txBody>
@@ -9253,6 +9057,473 @@
               </a:rPr>
               <a:pPr/>
               <a:t>22</a:t>
+            </a:fld>
+            <a:endParaRPr lang="en-US">
+              <a:solidFill>
+                <a:prstClr val="black">
+                  <a:tint val="75000"/>
+                </a:prstClr>
+              </a:solidFill>
+            </a:endParaRPr>
+          </a:p>
+        </p:txBody>
+      </p:sp>
+      <p:sp>
+        <p:nvSpPr>
+          <p:cNvPr id="4" name="TextBox 3"/>
+          <p:cNvSpPr txBox="1"/>
+          <p:nvPr/>
+        </p:nvSpPr>
+        <p:spPr>
+          <a:xfrm>
+            <a:off x="457200" y="1371600"/>
+            <a:ext cx="8305800" cy="784830"/>
+          </a:xfrm>
+          <a:prstGeom prst="rect">
+            <a:avLst/>
+          </a:prstGeom>
+          <a:noFill/>
+        </p:spPr>
+        <p:txBody>
+          <a:bodyPr wrap="square" rtlCol="0">
+            <a:spAutoFit/>
+          </a:bodyPr>
+          <a:lstStyle/>
+          <a:p>
+            <a:pPr>
+              <a:spcAft>
+                <a:spcPts val="600"/>
+              </a:spcAft>
+            </a:pPr>
+            <a:r>
+              <a:rPr lang="en-US" sz="2000" dirty="0"/>
+              <a:t>Traditional R graphics just produce graphical output on a device</a:t>
+            </a:r>
+          </a:p>
+          <a:p>
+            <a:pPr>
+              <a:spcAft>
+                <a:spcPts val="600"/>
+              </a:spcAft>
+            </a:pPr>
+            <a:r>
+              <a:rPr lang="en-US" sz="2000" dirty="0"/>
+              <a:t>However, </a:t>
+            </a:r>
+            <a:r>
+              <a:rPr lang="en-US" sz="2000" dirty="0" err="1"/>
+              <a:t>ggplot</a:t>
+            </a:r>
+            <a:r>
+              <a:rPr lang="en-US" sz="2000" dirty="0"/>
+              <a:t>() produces a “</a:t>
+            </a:r>
+            <a:r>
+              <a:rPr lang="en-US" sz="2000" dirty="0" err="1"/>
+              <a:t>ggplot</a:t>
+            </a:r>
+            <a:r>
+              <a:rPr lang="en-US" sz="2000" dirty="0"/>
+              <a:t>” object, a list of elements </a:t>
+            </a:r>
+          </a:p>
+        </p:txBody>
+      </p:sp>
+      <p:sp>
+        <p:nvSpPr>
+          <p:cNvPr id="5" name="TextBox 4"/>
+          <p:cNvSpPr txBox="1"/>
+          <p:nvPr/>
+        </p:nvSpPr>
+        <p:spPr>
+          <a:xfrm>
+            <a:off x="457200" y="2590800"/>
+            <a:ext cx="6795655" cy="1477328"/>
+          </a:xfrm>
+          <a:prstGeom prst="rect">
+            <a:avLst/>
+          </a:prstGeom>
+          <a:solidFill>
+            <a:schemeClr val="accent6">
+              <a:lumMod val="20000"/>
+              <a:lumOff val="80000"/>
+              <a:alpha val="60000"/>
+            </a:schemeClr>
+          </a:solidFill>
+        </p:spPr>
+        <p:txBody>
+          <a:bodyPr wrap="square" rtlCol="0">
+            <a:spAutoFit/>
+          </a:bodyPr>
+          <a:lstStyle/>
+          <a:p>
+            <a:r>
+              <a:rPr lang="en-US" dirty="0">
+                <a:latin typeface="Arial Narrow" panose="020B0606020202030204" pitchFamily="34" charset="0"/>
+              </a:rPr>
+              <a:t>&gt; names(</a:t>
+            </a:r>
+            <a:r>
+              <a:rPr lang="en-US" dirty="0" err="1">
+                <a:latin typeface="Arial Narrow" panose="020B0606020202030204" pitchFamily="34" charset="0"/>
+              </a:rPr>
+              <a:t>plt</a:t>
+            </a:r>
+            <a:r>
+              <a:rPr lang="en-US" dirty="0">
+                <a:latin typeface="Arial Narrow" panose="020B0606020202030204" pitchFamily="34" charset="0"/>
+              </a:rPr>
+              <a:t>)</a:t>
+            </a:r>
+          </a:p>
+          <a:p>
+            <a:r>
+              <a:rPr lang="en-US" dirty="0">
+                <a:latin typeface="Arial Narrow" panose="020B0606020202030204" pitchFamily="34" charset="0"/>
+              </a:rPr>
+              <a:t>[1] "data"        "layers"      "scales"      "mapping"     "theme"       "coordinates"</a:t>
+            </a:r>
+          </a:p>
+          <a:p>
+            <a:r>
+              <a:rPr lang="en-US" dirty="0">
+                <a:latin typeface="Arial Narrow" panose="020B0606020202030204" pitchFamily="34" charset="0"/>
+              </a:rPr>
+              <a:t>[7] "facet"       "</a:t>
+            </a:r>
+            <a:r>
+              <a:rPr lang="en-US" dirty="0" err="1">
+                <a:latin typeface="Arial Narrow" panose="020B0606020202030204" pitchFamily="34" charset="0"/>
+              </a:rPr>
+              <a:t>plot_env</a:t>
+            </a:r>
+            <a:r>
+              <a:rPr lang="en-US" dirty="0">
+                <a:latin typeface="Arial Narrow" panose="020B0606020202030204" pitchFamily="34" charset="0"/>
+              </a:rPr>
+              <a:t>"    "labels"     </a:t>
+            </a:r>
+          </a:p>
+          <a:p>
+            <a:r>
+              <a:rPr lang="en-US" dirty="0">
+                <a:latin typeface="Arial Narrow" panose="020B0606020202030204" pitchFamily="34" charset="0"/>
+              </a:rPr>
+              <a:t>&gt; class(</a:t>
+            </a:r>
+            <a:r>
+              <a:rPr lang="en-US" dirty="0" err="1">
+                <a:latin typeface="Arial Narrow" panose="020B0606020202030204" pitchFamily="34" charset="0"/>
+              </a:rPr>
+              <a:t>plt</a:t>
+            </a:r>
+            <a:r>
+              <a:rPr lang="en-US" dirty="0">
+                <a:latin typeface="Arial Narrow" panose="020B0606020202030204" pitchFamily="34" charset="0"/>
+              </a:rPr>
+              <a:t>)</a:t>
+            </a:r>
+          </a:p>
+          <a:p>
+            <a:r>
+              <a:rPr lang="en-US" dirty="0">
+                <a:latin typeface="Arial Narrow" panose="020B0606020202030204" pitchFamily="34" charset="0"/>
+              </a:rPr>
+              <a:t>[1] "</a:t>
+            </a:r>
+            <a:r>
+              <a:rPr lang="en-US" dirty="0" err="1">
+                <a:latin typeface="Arial Narrow" panose="020B0606020202030204" pitchFamily="34" charset="0"/>
+              </a:rPr>
+              <a:t>gg</a:t>
+            </a:r>
+            <a:r>
+              <a:rPr lang="en-US" dirty="0">
+                <a:latin typeface="Arial Narrow" panose="020B0606020202030204" pitchFamily="34" charset="0"/>
+              </a:rPr>
+              <a:t>"     "</a:t>
+            </a:r>
+            <a:r>
+              <a:rPr lang="en-US" dirty="0" err="1">
+                <a:latin typeface="Arial Narrow" panose="020B0606020202030204" pitchFamily="34" charset="0"/>
+              </a:rPr>
+              <a:t>ggplot</a:t>
+            </a:r>
+            <a:r>
+              <a:rPr lang="en-US" dirty="0">
+                <a:latin typeface="Arial Narrow" panose="020B0606020202030204" pitchFamily="34" charset="0"/>
+              </a:rPr>
+              <a:t>"</a:t>
+            </a:r>
+          </a:p>
+        </p:txBody>
+      </p:sp>
+      <p:sp>
+        <p:nvSpPr>
+          <p:cNvPr id="6" name="TextBox 5"/>
+          <p:cNvSpPr txBox="1"/>
+          <p:nvPr/>
+        </p:nvSpPr>
+        <p:spPr>
+          <a:xfrm>
+            <a:off x="533400" y="4343400"/>
+            <a:ext cx="8229600" cy="369332"/>
+          </a:xfrm>
+          <a:prstGeom prst="rect">
+            <a:avLst/>
+          </a:prstGeom>
+          <a:noFill/>
+        </p:spPr>
+        <p:txBody>
+          <a:bodyPr wrap="square" rtlCol="0">
+            <a:spAutoFit/>
+          </a:bodyPr>
+          <a:lstStyle/>
+          <a:p>
+            <a:r>
+              <a:rPr lang="en-US" dirty="0"/>
+              <a:t>What methods are available?</a:t>
+            </a:r>
+          </a:p>
+        </p:txBody>
+      </p:sp>
+      <p:sp>
+        <p:nvSpPr>
+          <p:cNvPr id="7" name="TextBox 6"/>
+          <p:cNvSpPr txBox="1"/>
+          <p:nvPr/>
+        </p:nvSpPr>
+        <p:spPr>
+          <a:xfrm>
+            <a:off x="457200" y="4876800"/>
+            <a:ext cx="4724400" cy="1477328"/>
+          </a:xfrm>
+          <a:prstGeom prst="rect">
+            <a:avLst/>
+          </a:prstGeom>
+          <a:solidFill>
+            <a:schemeClr val="accent6">
+              <a:lumMod val="20000"/>
+              <a:lumOff val="80000"/>
+              <a:alpha val="60000"/>
+            </a:schemeClr>
+          </a:solidFill>
+        </p:spPr>
+        <p:txBody>
+          <a:bodyPr wrap="square" rtlCol="0">
+            <a:spAutoFit/>
+          </a:bodyPr>
+          <a:lstStyle/>
+          <a:p>
+            <a:r>
+              <a:rPr lang="en-US" dirty="0">
+                <a:latin typeface="Arial Narrow" panose="020B0606020202030204" pitchFamily="34" charset="0"/>
+              </a:rPr>
+              <a:t>&gt; methods(class="</a:t>
+            </a:r>
+            <a:r>
+              <a:rPr lang="en-US" dirty="0" err="1">
+                <a:latin typeface="Arial Narrow" panose="020B0606020202030204" pitchFamily="34" charset="0"/>
+              </a:rPr>
+              <a:t>gg</a:t>
+            </a:r>
+            <a:r>
+              <a:rPr lang="en-US" dirty="0">
+                <a:latin typeface="Arial Narrow" panose="020B0606020202030204" pitchFamily="34" charset="0"/>
+              </a:rPr>
+              <a:t>")</a:t>
+            </a:r>
+          </a:p>
+          <a:p>
+            <a:r>
+              <a:rPr lang="en-US" dirty="0">
+                <a:latin typeface="Arial Narrow" panose="020B0606020202030204" pitchFamily="34" charset="0"/>
+              </a:rPr>
+              <a:t>[1] +</a:t>
+            </a:r>
+          </a:p>
+          <a:p>
+            <a:endParaRPr lang="en-US" dirty="0">
+              <a:latin typeface="Arial Narrow" panose="020B0606020202030204" pitchFamily="34" charset="0"/>
+            </a:endParaRPr>
+          </a:p>
+          <a:p>
+            <a:r>
+              <a:rPr lang="en-US" dirty="0">
+                <a:latin typeface="Arial Narrow" panose="020B0606020202030204" pitchFamily="34" charset="0"/>
+              </a:rPr>
+              <a:t>&gt; methods(class="</a:t>
+            </a:r>
+            <a:r>
+              <a:rPr lang="en-US" dirty="0" err="1">
+                <a:latin typeface="Arial Narrow" panose="020B0606020202030204" pitchFamily="34" charset="0"/>
+              </a:rPr>
+              <a:t>ggplot</a:t>
+            </a:r>
+            <a:r>
+              <a:rPr lang="en-US" dirty="0">
+                <a:latin typeface="Arial Narrow" panose="020B0606020202030204" pitchFamily="34" charset="0"/>
+              </a:rPr>
+              <a:t>")</a:t>
+            </a:r>
+          </a:p>
+          <a:p>
+            <a:r>
+              <a:rPr lang="en-US" dirty="0">
+                <a:latin typeface="Arial Narrow" panose="020B0606020202030204" pitchFamily="34" charset="0"/>
+              </a:rPr>
+              <a:t>[1] </a:t>
+            </a:r>
+            <a:r>
+              <a:rPr lang="en-US" dirty="0" err="1">
+                <a:latin typeface="Arial Narrow" panose="020B0606020202030204" pitchFamily="34" charset="0"/>
+              </a:rPr>
+              <a:t>grid.draw</a:t>
+            </a:r>
+            <a:r>
+              <a:rPr lang="en-US" dirty="0">
+                <a:latin typeface="Arial Narrow" panose="020B0606020202030204" pitchFamily="34" charset="0"/>
+              </a:rPr>
+              <a:t>     plot      print     summary  </a:t>
+            </a:r>
+          </a:p>
+        </p:txBody>
+      </p:sp>
+      <p:sp>
+        <p:nvSpPr>
+          <p:cNvPr id="8" name="TextBox 7"/>
+          <p:cNvSpPr txBox="1"/>
+          <p:nvPr/>
+        </p:nvSpPr>
+        <p:spPr>
+          <a:xfrm>
+            <a:off x="5410200" y="4953000"/>
+            <a:ext cx="3048000" cy="1477328"/>
+          </a:xfrm>
+          <a:prstGeom prst="rect">
+            <a:avLst/>
+          </a:prstGeom>
+          <a:noFill/>
+        </p:spPr>
+        <p:txBody>
+          <a:bodyPr wrap="square" rtlCol="0">
+            <a:spAutoFit/>
+          </a:bodyPr>
+          <a:lstStyle/>
+          <a:p>
+            <a:r>
+              <a:rPr lang="en-US" dirty="0"/>
+              <a:t>The “</a:t>
+            </a:r>
+            <a:r>
+              <a:rPr lang="en-US" dirty="0" err="1"/>
+              <a:t>gg</a:t>
+            </a:r>
+            <a:r>
+              <a:rPr lang="en-US" dirty="0"/>
+              <a:t>” class provides the “+” method</a:t>
+            </a:r>
+          </a:p>
+          <a:p>
+            <a:endParaRPr lang="en-US" dirty="0"/>
+          </a:p>
+          <a:p>
+            <a:r>
+              <a:rPr lang="en-US" dirty="0"/>
+              <a:t>The “</a:t>
+            </a:r>
+            <a:r>
+              <a:rPr lang="en-US" dirty="0" err="1"/>
+              <a:t>ggplot</a:t>
+            </a:r>
+            <a:r>
+              <a:rPr lang="en-US" dirty="0"/>
+              <a:t>” class provides other, standard methods </a:t>
+            </a:r>
+          </a:p>
+        </p:txBody>
+      </p:sp>
+    </p:spTree>
+    <p:extLst>
+      <p:ext uri="{BB962C8B-B14F-4D97-AF65-F5344CB8AC3E}">
+        <p14:creationId xmlns:p14="http://schemas.microsoft.com/office/powerpoint/2010/main" val="3058104470"/>
+      </p:ext>
+    </p:extLst>
+  </p:cSld>
+  <p:clrMapOvr>
+    <a:masterClrMapping/>
+  </p:clrMapOvr>
+</p:sld>
+</file>
+
+<file path=ppt/slides/slide23.xml><?xml version="1.0" encoding="utf-8"?>
+<p:sld xmlns:a="http://schemas.openxmlformats.org/drawingml/2006/main" xmlns:r="http://schemas.openxmlformats.org/officeDocument/2006/relationships" xmlns:p="http://schemas.openxmlformats.org/presentationml/2006/main">
+  <p:cSld>
+    <p:spTree>
+      <p:nvGrpSpPr>
+        <p:cNvPr id="1" name=""/>
+        <p:cNvGrpSpPr/>
+        <p:nvPr/>
+      </p:nvGrpSpPr>
+      <p:grpSpPr>
+        <a:xfrm>
+          <a:off x="0" y="0"/>
+          <a:ext cx="0" cy="0"/>
+          <a:chOff x="0" y="0"/>
+          <a:chExt cx="0" cy="0"/>
+        </a:xfrm>
+      </p:grpSpPr>
+      <p:sp>
+        <p:nvSpPr>
+          <p:cNvPr id="2" name="Title 1"/>
+          <p:cNvSpPr>
+            <a:spLocks noGrp="1"/>
+          </p:cNvSpPr>
+          <p:nvPr>
+            <p:ph type="title"/>
+          </p:nvPr>
+        </p:nvSpPr>
+        <p:spPr/>
+        <p:txBody>
+          <a:bodyPr/>
+          <a:lstStyle/>
+          <a:p>
+            <a:r>
+              <a:rPr lang="en-US" dirty="0" err="1"/>
+              <a:t>Playfair</a:t>
+            </a:r>
+            <a:r>
+              <a:rPr lang="en-US" dirty="0"/>
+              <a:t>: Balance of trade charts</a:t>
+            </a:r>
+          </a:p>
+        </p:txBody>
+      </p:sp>
+      <p:sp>
+        <p:nvSpPr>
+          <p:cNvPr id="3" name="Slide Number Placeholder 2"/>
+          <p:cNvSpPr>
+            <a:spLocks noGrp="1"/>
+          </p:cNvSpPr>
+          <p:nvPr>
+            <p:ph type="sldNum" sz="quarter" idx="12"/>
+          </p:nvPr>
+        </p:nvSpPr>
+        <p:spPr/>
+        <p:txBody>
+          <a:bodyPr/>
+          <a:lstStyle/>
+          <a:p>
+            <a:fld id="{20401A5A-FA6E-4462-B8C5-A4D4B3FA6BB1}" type="slidenum">
+              <a:rPr lang="en-US" smtClean="0">
+                <a:solidFill>
+                  <a:prstClr val="black">
+                    <a:tint val="75000"/>
+                  </a:prstClr>
+                </a:solidFill>
+              </a:rPr>
+              <a:pPr/>
+              <a:t>23</a:t>
             </a:fld>
             <a:endParaRPr lang="en-US">
               <a:solidFill>
@@ -9512,7 +9783,7 @@
 </p:sld>
 </file>
 
-<file path=ppt/slides/slide23.xml><?xml version="1.0" encoding="utf-8"?>
+<file path=ppt/slides/slide24.xml><?xml version="1.0" encoding="utf-8"?>
 <p:sld xmlns:a="http://schemas.openxmlformats.org/drawingml/2006/main" xmlns:r="http://schemas.openxmlformats.org/officeDocument/2006/relationships" xmlns:p="http://schemas.openxmlformats.org/presentationml/2006/main">
   <p:cSld>
     <p:spTree>
@@ -9579,7 +9850,7 @@
                 </a:solidFill>
               </a:rPr>
               <a:pPr/>
-              <a:t>23</a:t>
+              <a:t>24</a:t>
             </a:fld>
             <a:endParaRPr lang="en-US">
               <a:solidFill>
@@ -10140,7 +10411,7 @@
 </p:sld>
 </file>
 
-<file path=ppt/slides/slide24.xml><?xml version="1.0" encoding="utf-8"?>
+<file path=ppt/slides/slide25.xml><?xml version="1.0" encoding="utf-8"?>
 <p:sld xmlns:a="http://schemas.openxmlformats.org/drawingml/2006/main" xmlns:r="http://schemas.openxmlformats.org/officeDocument/2006/relationships" xmlns:p="http://schemas.openxmlformats.org/presentationml/2006/main">
   <p:cSld>
     <p:spTree>
@@ -10181,7 +10452,7 @@
                 </a:solidFill>
               </a:rPr>
               <a:pPr/>
-              <a:t>24</a:t>
+              <a:t>25</a:t>
             </a:fld>
             <a:endParaRPr lang="en-US">
               <a:solidFill>
@@ -10409,7 +10680,7 @@
 </p:sld>
 </file>
 
-<file path=ppt/slides/slide25.xml><?xml version="1.0" encoding="utf-8"?>
+<file path=ppt/slides/slide26.xml><?xml version="1.0" encoding="utf-8"?>
 <p:sld xmlns:a="http://schemas.openxmlformats.org/drawingml/2006/main" xmlns:r="http://schemas.openxmlformats.org/officeDocument/2006/relationships" xmlns:p="http://schemas.openxmlformats.org/presentationml/2006/main">
   <p:cSld>
     <p:spTree>
@@ -10472,7 +10743,7 @@
                 </a:solidFill>
               </a:rPr>
               <a:pPr/>
-              <a:t>25</a:t>
+              <a:t>26</a:t>
             </a:fld>
             <a:endParaRPr lang="en-US">
               <a:solidFill>
@@ -10836,7 +11107,7 @@
 </p:sld>
 </file>
 
-<file path=ppt/slides/slide26.xml><?xml version="1.0" encoding="utf-8"?>
+<file path=ppt/slides/slide27.xml><?xml version="1.0" encoding="utf-8"?>
 <p:sld xmlns:a="http://schemas.openxmlformats.org/drawingml/2006/main" xmlns:r="http://schemas.openxmlformats.org/officeDocument/2006/relationships" xmlns:p="http://schemas.openxmlformats.org/presentationml/2006/main">
   <p:cSld>
     <p:spTree>
@@ -10899,7 +11170,7 @@
                 </a:solidFill>
               </a:rPr>
               <a:pPr/>
-              <a:t>26</a:t>
+              <a:t>27</a:t>
             </a:fld>
             <a:endParaRPr lang="en-US">
               <a:solidFill>
@@ -11065,7 +11336,7 @@
 </p:sld>
 </file>
 
-<file path=ppt/slides/slide27.xml><?xml version="1.0" encoding="utf-8"?>
+<file path=ppt/slides/slide28.xml><?xml version="1.0" encoding="utf-8"?>
 <p:sld xmlns:a="http://schemas.openxmlformats.org/drawingml/2006/main" xmlns:r="http://schemas.openxmlformats.org/officeDocument/2006/relationships" xmlns:p="http://schemas.openxmlformats.org/presentationml/2006/main">
   <p:cSld>
     <p:spTree>
@@ -11376,7 +11647,7 @@
                 </a:solidFill>
               </a:rPr>
               <a:pPr/>
-              <a:t>27</a:t>
+              <a:t>28</a:t>
             </a:fld>
             <a:endParaRPr lang="en-US">
               <a:solidFill>
@@ -11401,7 +11672,7 @@
 </p:sld>
 </file>
 
-<file path=ppt/slides/slide28.xml><?xml version="1.0" encoding="utf-8"?>
+<file path=ppt/slides/slide29.xml><?xml version="1.0" encoding="utf-8"?>
 <p:sld xmlns:a="http://schemas.openxmlformats.org/drawingml/2006/main" xmlns:r="http://schemas.openxmlformats.org/officeDocument/2006/relationships" xmlns:p="http://schemas.openxmlformats.org/presentationml/2006/main">
   <p:cSld>
     <p:spTree>
@@ -11487,7 +11758,7 @@
           <a:p>
             <a:fld id="{20401A5A-FA6E-4462-B8C5-A4D4B3FA6BB1}" type="slidenum">
               <a:rPr lang="en-US" smtClean="0"/>
-              <a:t>28</a:t>
+              <a:t>29</a:t>
             </a:fld>
             <a:endParaRPr lang="en-US"/>
           </a:p>
@@ -11937,334 +12208,6 @@
 </p:sld>
 </file>
 
-<file path=ppt/slides/slide29.xml><?xml version="1.0" encoding="utf-8"?>
-<p:sld xmlns:a="http://schemas.openxmlformats.org/drawingml/2006/main" xmlns:r="http://schemas.openxmlformats.org/officeDocument/2006/relationships" xmlns:p="http://schemas.openxmlformats.org/presentationml/2006/main">
-  <p:cSld>
-    <p:spTree>
-      <p:nvGrpSpPr>
-        <p:cNvPr id="1" name=""/>
-        <p:cNvGrpSpPr/>
-        <p:nvPr/>
-      </p:nvGrpSpPr>
-      <p:grpSpPr>
-        <a:xfrm>
-          <a:off x="0" y="0"/>
-          <a:ext cx="0" cy="0"/>
-          <a:chOff x="0" y="0"/>
-          <a:chExt cx="0" cy="0"/>
-        </a:xfrm>
-      </p:grpSpPr>
-      <p:sp>
-        <p:nvSpPr>
-          <p:cNvPr id="2" name="Title 1"/>
-          <p:cNvSpPr>
-            <a:spLocks noGrp="1"/>
-          </p:cNvSpPr>
-          <p:nvPr>
-            <p:ph type="title"/>
-          </p:nvPr>
-        </p:nvSpPr>
-        <p:spPr/>
-        <p:txBody>
-          <a:bodyPr/>
-          <a:lstStyle/>
-          <a:p>
-            <a:r>
-              <a:rPr lang="en-US" dirty="0"/>
-              <a:t>Building a custom graph</a:t>
-            </a:r>
-          </a:p>
-        </p:txBody>
-      </p:sp>
-      <p:sp>
-        <p:nvSpPr>
-          <p:cNvPr id="3" name="Slide Number Placeholder 2"/>
-          <p:cNvSpPr>
-            <a:spLocks noGrp="1"/>
-          </p:cNvSpPr>
-          <p:nvPr>
-            <p:ph type="sldNum" sz="quarter" idx="12"/>
-          </p:nvPr>
-        </p:nvSpPr>
-        <p:spPr/>
-        <p:txBody>
-          <a:bodyPr/>
-          <a:lstStyle/>
-          <a:p>
-            <a:fld id="{20401A5A-FA6E-4462-B8C5-A4D4B3FA6BB1}" type="slidenum">
-              <a:rPr lang="en-US" smtClean="0">
-                <a:solidFill>
-                  <a:prstClr val="black">
-                    <a:tint val="75000"/>
-                  </a:prstClr>
-                </a:solidFill>
-              </a:rPr>
-              <a:pPr/>
-              <a:t>29</a:t>
-            </a:fld>
-            <a:endParaRPr lang="en-US">
-              <a:solidFill>
-                <a:prstClr val="black">
-                  <a:tint val="75000"/>
-                </a:prstClr>
-              </a:solidFill>
-            </a:endParaRPr>
-          </a:p>
-        </p:txBody>
-      </p:sp>
-      <p:pic>
-        <p:nvPicPr>
-          <p:cNvPr id="5" name="Picture 4"/>
-          <p:cNvPicPr>
-            <a:picLocks noChangeAspect="1"/>
-          </p:cNvPicPr>
-          <p:nvPr/>
-        </p:nvPicPr>
-        <p:blipFill>
-          <a:blip r:embed="rId2" cstate="print">
-            <a:extLst>
-              <a:ext uri="{28A0092B-C50C-407E-A947-70E740481C1C}">
-                <a14:useLocalDpi xmlns:a14="http://schemas.microsoft.com/office/drawing/2010/main" val="0"/>
-              </a:ext>
-            </a:extLst>
-          </a:blip>
-          <a:stretch>
-            <a:fillRect/>
-          </a:stretch>
-        </p:blipFill>
-        <p:spPr>
-          <a:xfrm>
-            <a:off x="5120640" y="3977640"/>
-            <a:ext cx="3584455" cy="2560326"/>
-          </a:xfrm>
-          <a:prstGeom prst="rect">
-            <a:avLst/>
-          </a:prstGeom>
-        </p:spPr>
-      </p:pic>
-      <p:sp>
-        <p:nvSpPr>
-          <p:cNvPr id="7" name="TextBox 6"/>
-          <p:cNvSpPr txBox="1"/>
-          <p:nvPr/>
-        </p:nvSpPr>
-        <p:spPr>
-          <a:xfrm>
-            <a:off x="457201" y="1295400"/>
-            <a:ext cx="4419600" cy="1077218"/>
-          </a:xfrm>
-          <a:prstGeom prst="rect">
-            <a:avLst/>
-          </a:prstGeom>
-          <a:solidFill>
-            <a:schemeClr val="accent6">
-              <a:lumMod val="20000"/>
-              <a:lumOff val="80000"/>
-              <a:alpha val="50000"/>
-            </a:schemeClr>
-          </a:solidFill>
-        </p:spPr>
-        <p:txBody>
-          <a:bodyPr wrap="square" rtlCol="0">
-            <a:spAutoFit/>
-          </a:bodyPr>
-          <a:lstStyle/>
-          <a:p>
-            <a:r>
-              <a:rPr lang="en-US" sz="1600" dirty="0" err="1">
-                <a:latin typeface="Arial Narrow" panose="020B0606020202030204" pitchFamily="34" charset="0"/>
-              </a:rPr>
-              <a:t>ggplot</a:t>
-            </a:r>
-            <a:r>
-              <a:rPr lang="en-US" sz="1600" dirty="0">
-                <a:latin typeface="Arial Narrow" panose="020B0606020202030204" pitchFamily="34" charset="0"/>
-              </a:rPr>
-              <a:t>(Arbuthnot, </a:t>
-            </a:r>
-            <a:r>
-              <a:rPr lang="en-US" sz="1600" dirty="0" err="1">
-                <a:latin typeface="Arial Narrow" panose="020B0606020202030204" pitchFamily="34" charset="0"/>
-              </a:rPr>
-              <a:t>aes</a:t>
-            </a:r>
-            <a:r>
-              <a:rPr lang="en-US" sz="1600" dirty="0">
-                <a:latin typeface="Arial Narrow" panose="020B0606020202030204" pitchFamily="34" charset="0"/>
-              </a:rPr>
-              <a:t>(x=Year, y=Ratio)) +</a:t>
-            </a:r>
-          </a:p>
-          <a:p>
-            <a:r>
-              <a:rPr lang="en-US" sz="1600" dirty="0">
-                <a:latin typeface="Arial Narrow" panose="020B0606020202030204" pitchFamily="34" charset="0"/>
-              </a:rPr>
-              <a:t>    </a:t>
-            </a:r>
-            <a:r>
-              <a:rPr lang="en-US" sz="1600" dirty="0" err="1">
-                <a:latin typeface="Arial Narrow" panose="020B0606020202030204" pitchFamily="34" charset="0"/>
-              </a:rPr>
-              <a:t>ylim</a:t>
-            </a:r>
-            <a:r>
-              <a:rPr lang="en-US" sz="1600" dirty="0">
-                <a:latin typeface="Arial Narrow" panose="020B0606020202030204" pitchFamily="34" charset="0"/>
-              </a:rPr>
-              <a:t>(1, 1.20) + </a:t>
-            </a:r>
-          </a:p>
-          <a:p>
-            <a:r>
-              <a:rPr lang="en-US" sz="1600" dirty="0">
-                <a:latin typeface="Arial Narrow" panose="020B0606020202030204" pitchFamily="34" charset="0"/>
-              </a:rPr>
-              <a:t>    </a:t>
-            </a:r>
-            <a:r>
-              <a:rPr lang="en-US" sz="1600" dirty="0" err="1">
-                <a:latin typeface="Arial Narrow" panose="020B0606020202030204" pitchFamily="34" charset="0"/>
-              </a:rPr>
-              <a:t>ylab</a:t>
-            </a:r>
-            <a:r>
-              <a:rPr lang="en-US" sz="1600" dirty="0">
-                <a:latin typeface="Arial Narrow" panose="020B0606020202030204" pitchFamily="34" charset="0"/>
-              </a:rPr>
-              <a:t>("Sex Ratio (M/F)") +</a:t>
-            </a:r>
-          </a:p>
-          <a:p>
-            <a:r>
-              <a:rPr lang="en-US" sz="1600" dirty="0">
-                <a:highlight>
-                  <a:srgbClr val="FFFF00"/>
-                </a:highlight>
-                <a:latin typeface="Arial Narrow" panose="020B0606020202030204" pitchFamily="34" charset="0"/>
-              </a:rPr>
-              <a:t>    </a:t>
-            </a:r>
-            <a:r>
-              <a:rPr lang="en-US" sz="1600" b="1" dirty="0" err="1">
-                <a:highlight>
-                  <a:srgbClr val="FFFF00"/>
-                </a:highlight>
-                <a:latin typeface="Arial Narrow" panose="020B0606020202030204" pitchFamily="34" charset="0"/>
-              </a:rPr>
-              <a:t>geom_point</a:t>
-            </a:r>
-            <a:r>
-              <a:rPr lang="en-US" sz="1600" b="1" dirty="0">
-                <a:highlight>
-                  <a:srgbClr val="FFFF00"/>
-                </a:highlight>
-                <a:latin typeface="Arial Narrow" panose="020B0606020202030204" pitchFamily="34" charset="0"/>
-              </a:rPr>
-              <a:t>(</a:t>
-            </a:r>
-            <a:r>
-              <a:rPr lang="en-US" sz="1600" b="1" dirty="0" err="1">
-                <a:highlight>
-                  <a:srgbClr val="FFFF00"/>
-                </a:highlight>
-                <a:latin typeface="Arial Narrow" panose="020B0606020202030204" pitchFamily="34" charset="0"/>
-              </a:rPr>
-              <a:t>pch</a:t>
-            </a:r>
-            <a:r>
-              <a:rPr lang="en-US" sz="1600" b="1" dirty="0">
-                <a:highlight>
-                  <a:srgbClr val="FFFF00"/>
-                </a:highlight>
-                <a:latin typeface="Arial Narrow" panose="020B0606020202030204" pitchFamily="34" charset="0"/>
-              </a:rPr>
-              <a:t>=16, size=2) </a:t>
-            </a:r>
-          </a:p>
-        </p:txBody>
-      </p:sp>
-      <p:sp>
-        <p:nvSpPr>
-          <p:cNvPr id="8" name="TextBox 7"/>
-          <p:cNvSpPr txBox="1"/>
-          <p:nvPr/>
-        </p:nvSpPr>
-        <p:spPr>
-          <a:xfrm>
-            <a:off x="5303520" y="1280160"/>
-            <a:ext cx="3371095" cy="646331"/>
-          </a:xfrm>
-          <a:prstGeom prst="rect">
-            <a:avLst/>
-          </a:prstGeom>
-          <a:noFill/>
-        </p:spPr>
-        <p:txBody>
-          <a:bodyPr wrap="square" rtlCol="0">
-            <a:spAutoFit/>
-          </a:bodyPr>
-          <a:lstStyle/>
-          <a:p>
-            <a:r>
-              <a:rPr lang="en-US" dirty="0"/>
-              <a:t>Start with a basic scatterplot, Ratio vs. Year</a:t>
-            </a:r>
-          </a:p>
-        </p:txBody>
-      </p:sp>
-      <p:sp>
-        <p:nvSpPr>
-          <p:cNvPr id="4" name="TextBox 3"/>
-          <p:cNvSpPr txBox="1"/>
-          <p:nvPr/>
-        </p:nvSpPr>
-        <p:spPr>
-          <a:xfrm>
-            <a:off x="609600" y="5257803"/>
-            <a:ext cx="4114800" cy="492443"/>
-          </a:xfrm>
-          <a:prstGeom prst="rect">
-            <a:avLst/>
-          </a:prstGeom>
-          <a:noFill/>
-        </p:spPr>
-        <p:txBody>
-          <a:bodyPr wrap="square" rtlCol="0">
-            <a:spAutoFit/>
-          </a:bodyPr>
-          <a:lstStyle/>
-          <a:p>
-            <a:r>
-              <a:rPr lang="en-US" sz="1400" dirty="0"/>
-              <a:t>An R script for this example is available at: </a:t>
-            </a:r>
-            <a:r>
-              <a:rPr lang="en-US" sz="1200" dirty="0">
-                <a:hlinkClick r:id="rId3"/>
-              </a:rPr>
-              <a:t>http://euclid.psych.yorku.ca/www/psy6135/R/arbuthnot-gg.R</a:t>
-            </a:r>
-            <a:r>
-              <a:rPr lang="en-US" sz="1200" dirty="0"/>
-              <a:t> </a:t>
-            </a:r>
-          </a:p>
-        </p:txBody>
-      </p:sp>
-    </p:spTree>
-    <p:extLst>
-      <p:ext uri="{BB962C8B-B14F-4D97-AF65-F5344CB8AC3E}">
-        <p14:creationId xmlns:p14="http://schemas.microsoft.com/office/powerpoint/2010/main" val="1763149370"/>
-      </p:ext>
-    </p:extLst>
-  </p:cSld>
-  <p:clrMapOvr>
-    <a:masterClrMapping/>
-  </p:clrMapOvr>
-</p:sld>
-</file>
-
 <file path=ppt/slides/slide3.xml><?xml version="1.0" encoding="utf-8"?>
 <p:sld xmlns:a="http://schemas.openxmlformats.org/drawingml/2006/main" xmlns:r="http://schemas.openxmlformats.org/officeDocument/2006/relationships" xmlns:p="http://schemas.openxmlformats.org/presentationml/2006/main">
   <p:cSld>
@@ -12616,6 +12559,334 @@
           </a:p>
         </p:txBody>
       </p:sp>
+      <p:pic>
+        <p:nvPicPr>
+          <p:cNvPr id="5" name="Picture 4"/>
+          <p:cNvPicPr>
+            <a:picLocks noChangeAspect="1"/>
+          </p:cNvPicPr>
+          <p:nvPr/>
+        </p:nvPicPr>
+        <p:blipFill>
+          <a:blip r:embed="rId2" cstate="print">
+            <a:extLst>
+              <a:ext uri="{28A0092B-C50C-407E-A947-70E740481C1C}">
+                <a14:useLocalDpi xmlns:a14="http://schemas.microsoft.com/office/drawing/2010/main" val="0"/>
+              </a:ext>
+            </a:extLst>
+          </a:blip>
+          <a:stretch>
+            <a:fillRect/>
+          </a:stretch>
+        </p:blipFill>
+        <p:spPr>
+          <a:xfrm>
+            <a:off x="5120640" y="3977640"/>
+            <a:ext cx="3584455" cy="2560326"/>
+          </a:xfrm>
+          <a:prstGeom prst="rect">
+            <a:avLst/>
+          </a:prstGeom>
+        </p:spPr>
+      </p:pic>
+      <p:sp>
+        <p:nvSpPr>
+          <p:cNvPr id="7" name="TextBox 6"/>
+          <p:cNvSpPr txBox="1"/>
+          <p:nvPr/>
+        </p:nvSpPr>
+        <p:spPr>
+          <a:xfrm>
+            <a:off x="457201" y="1295400"/>
+            <a:ext cx="4419600" cy="1077218"/>
+          </a:xfrm>
+          <a:prstGeom prst="rect">
+            <a:avLst/>
+          </a:prstGeom>
+          <a:solidFill>
+            <a:schemeClr val="accent6">
+              <a:lumMod val="20000"/>
+              <a:lumOff val="80000"/>
+              <a:alpha val="50000"/>
+            </a:schemeClr>
+          </a:solidFill>
+        </p:spPr>
+        <p:txBody>
+          <a:bodyPr wrap="square" rtlCol="0">
+            <a:spAutoFit/>
+          </a:bodyPr>
+          <a:lstStyle/>
+          <a:p>
+            <a:r>
+              <a:rPr lang="en-US" sz="1600" dirty="0" err="1">
+                <a:latin typeface="Arial Narrow" panose="020B0606020202030204" pitchFamily="34" charset="0"/>
+              </a:rPr>
+              <a:t>ggplot</a:t>
+            </a:r>
+            <a:r>
+              <a:rPr lang="en-US" sz="1600" dirty="0">
+                <a:latin typeface="Arial Narrow" panose="020B0606020202030204" pitchFamily="34" charset="0"/>
+              </a:rPr>
+              <a:t>(Arbuthnot, </a:t>
+            </a:r>
+            <a:r>
+              <a:rPr lang="en-US" sz="1600" dirty="0" err="1">
+                <a:latin typeface="Arial Narrow" panose="020B0606020202030204" pitchFamily="34" charset="0"/>
+              </a:rPr>
+              <a:t>aes</a:t>
+            </a:r>
+            <a:r>
+              <a:rPr lang="en-US" sz="1600" dirty="0">
+                <a:latin typeface="Arial Narrow" panose="020B0606020202030204" pitchFamily="34" charset="0"/>
+              </a:rPr>
+              <a:t>(x=Year, y=Ratio)) +</a:t>
+            </a:r>
+          </a:p>
+          <a:p>
+            <a:r>
+              <a:rPr lang="en-US" sz="1600" dirty="0">
+                <a:latin typeface="Arial Narrow" panose="020B0606020202030204" pitchFamily="34" charset="0"/>
+              </a:rPr>
+              <a:t>    </a:t>
+            </a:r>
+            <a:r>
+              <a:rPr lang="en-US" sz="1600" dirty="0" err="1">
+                <a:latin typeface="Arial Narrow" panose="020B0606020202030204" pitchFamily="34" charset="0"/>
+              </a:rPr>
+              <a:t>ylim</a:t>
+            </a:r>
+            <a:r>
+              <a:rPr lang="en-US" sz="1600" dirty="0">
+                <a:latin typeface="Arial Narrow" panose="020B0606020202030204" pitchFamily="34" charset="0"/>
+              </a:rPr>
+              <a:t>(1, 1.20) + </a:t>
+            </a:r>
+          </a:p>
+          <a:p>
+            <a:r>
+              <a:rPr lang="en-US" sz="1600" dirty="0">
+                <a:latin typeface="Arial Narrow" panose="020B0606020202030204" pitchFamily="34" charset="0"/>
+              </a:rPr>
+              <a:t>    </a:t>
+            </a:r>
+            <a:r>
+              <a:rPr lang="en-US" sz="1600" dirty="0" err="1">
+                <a:latin typeface="Arial Narrow" panose="020B0606020202030204" pitchFamily="34" charset="0"/>
+              </a:rPr>
+              <a:t>ylab</a:t>
+            </a:r>
+            <a:r>
+              <a:rPr lang="en-US" sz="1600" dirty="0">
+                <a:latin typeface="Arial Narrow" panose="020B0606020202030204" pitchFamily="34" charset="0"/>
+              </a:rPr>
+              <a:t>("Sex Ratio (M/F)") +</a:t>
+            </a:r>
+          </a:p>
+          <a:p>
+            <a:r>
+              <a:rPr lang="en-US" sz="1600" dirty="0">
+                <a:highlight>
+                  <a:srgbClr val="FFFF00"/>
+                </a:highlight>
+                <a:latin typeface="Arial Narrow" panose="020B0606020202030204" pitchFamily="34" charset="0"/>
+              </a:rPr>
+              <a:t>    </a:t>
+            </a:r>
+            <a:r>
+              <a:rPr lang="en-US" sz="1600" b="1" dirty="0" err="1">
+                <a:highlight>
+                  <a:srgbClr val="FFFF00"/>
+                </a:highlight>
+                <a:latin typeface="Arial Narrow" panose="020B0606020202030204" pitchFamily="34" charset="0"/>
+              </a:rPr>
+              <a:t>geom_point</a:t>
+            </a:r>
+            <a:r>
+              <a:rPr lang="en-US" sz="1600" b="1" dirty="0">
+                <a:highlight>
+                  <a:srgbClr val="FFFF00"/>
+                </a:highlight>
+                <a:latin typeface="Arial Narrow" panose="020B0606020202030204" pitchFamily="34" charset="0"/>
+              </a:rPr>
+              <a:t>(</a:t>
+            </a:r>
+            <a:r>
+              <a:rPr lang="en-US" sz="1600" b="1" dirty="0" err="1">
+                <a:highlight>
+                  <a:srgbClr val="FFFF00"/>
+                </a:highlight>
+                <a:latin typeface="Arial Narrow" panose="020B0606020202030204" pitchFamily="34" charset="0"/>
+              </a:rPr>
+              <a:t>pch</a:t>
+            </a:r>
+            <a:r>
+              <a:rPr lang="en-US" sz="1600" b="1" dirty="0">
+                <a:highlight>
+                  <a:srgbClr val="FFFF00"/>
+                </a:highlight>
+                <a:latin typeface="Arial Narrow" panose="020B0606020202030204" pitchFamily="34" charset="0"/>
+              </a:rPr>
+              <a:t>=16, size=2) </a:t>
+            </a:r>
+          </a:p>
+        </p:txBody>
+      </p:sp>
+      <p:sp>
+        <p:nvSpPr>
+          <p:cNvPr id="8" name="TextBox 7"/>
+          <p:cNvSpPr txBox="1"/>
+          <p:nvPr/>
+        </p:nvSpPr>
+        <p:spPr>
+          <a:xfrm>
+            <a:off x="5303520" y="1280160"/>
+            <a:ext cx="3371095" cy="646331"/>
+          </a:xfrm>
+          <a:prstGeom prst="rect">
+            <a:avLst/>
+          </a:prstGeom>
+          <a:noFill/>
+        </p:spPr>
+        <p:txBody>
+          <a:bodyPr wrap="square" rtlCol="0">
+            <a:spAutoFit/>
+          </a:bodyPr>
+          <a:lstStyle/>
+          <a:p>
+            <a:r>
+              <a:rPr lang="en-US" dirty="0"/>
+              <a:t>Start with a basic scatterplot, Ratio vs. Year</a:t>
+            </a:r>
+          </a:p>
+        </p:txBody>
+      </p:sp>
+      <p:sp>
+        <p:nvSpPr>
+          <p:cNvPr id="4" name="TextBox 3"/>
+          <p:cNvSpPr txBox="1"/>
+          <p:nvPr/>
+        </p:nvSpPr>
+        <p:spPr>
+          <a:xfrm>
+            <a:off x="609600" y="5257803"/>
+            <a:ext cx="4114800" cy="492443"/>
+          </a:xfrm>
+          <a:prstGeom prst="rect">
+            <a:avLst/>
+          </a:prstGeom>
+          <a:noFill/>
+        </p:spPr>
+        <p:txBody>
+          <a:bodyPr wrap="square" rtlCol="0">
+            <a:spAutoFit/>
+          </a:bodyPr>
+          <a:lstStyle/>
+          <a:p>
+            <a:r>
+              <a:rPr lang="en-US" sz="1400" dirty="0"/>
+              <a:t>An R script for this example is available at: </a:t>
+            </a:r>
+            <a:r>
+              <a:rPr lang="en-US" sz="1200" dirty="0">
+                <a:hlinkClick r:id="rId3"/>
+              </a:rPr>
+              <a:t>https://friendly.github.io/6135/R/arbuthnot-gg.R</a:t>
+            </a:r>
+            <a:r>
+              <a:rPr lang="en-US" sz="1200" dirty="0"/>
+              <a:t> </a:t>
+            </a:r>
+          </a:p>
+        </p:txBody>
+      </p:sp>
+    </p:spTree>
+    <p:extLst>
+      <p:ext uri="{BB962C8B-B14F-4D97-AF65-F5344CB8AC3E}">
+        <p14:creationId xmlns:p14="http://schemas.microsoft.com/office/powerpoint/2010/main" val="1763149370"/>
+      </p:ext>
+    </p:extLst>
+  </p:cSld>
+  <p:clrMapOvr>
+    <a:masterClrMapping/>
+  </p:clrMapOvr>
+</p:sld>
+</file>
+
+<file path=ppt/slides/slide31.xml><?xml version="1.0" encoding="utf-8"?>
+<p:sld xmlns:a="http://schemas.openxmlformats.org/drawingml/2006/main" xmlns:r="http://schemas.openxmlformats.org/officeDocument/2006/relationships" xmlns:p="http://schemas.openxmlformats.org/presentationml/2006/main">
+  <p:cSld>
+    <p:spTree>
+      <p:nvGrpSpPr>
+        <p:cNvPr id="1" name=""/>
+        <p:cNvGrpSpPr/>
+        <p:nvPr/>
+      </p:nvGrpSpPr>
+      <p:grpSpPr>
+        <a:xfrm>
+          <a:off x="0" y="0"/>
+          <a:ext cx="0" cy="0"/>
+          <a:chOff x="0" y="0"/>
+          <a:chExt cx="0" cy="0"/>
+        </a:xfrm>
+      </p:grpSpPr>
+      <p:sp>
+        <p:nvSpPr>
+          <p:cNvPr id="2" name="Title 1"/>
+          <p:cNvSpPr>
+            <a:spLocks noGrp="1"/>
+          </p:cNvSpPr>
+          <p:nvPr>
+            <p:ph type="title"/>
+          </p:nvPr>
+        </p:nvSpPr>
+        <p:spPr/>
+        <p:txBody>
+          <a:bodyPr/>
+          <a:lstStyle/>
+          <a:p>
+            <a:r>
+              <a:rPr lang="en-US" dirty="0"/>
+              <a:t>Building a custom graph</a:t>
+            </a:r>
+          </a:p>
+        </p:txBody>
+      </p:sp>
+      <p:sp>
+        <p:nvSpPr>
+          <p:cNvPr id="3" name="Slide Number Placeholder 2"/>
+          <p:cNvSpPr>
+            <a:spLocks noGrp="1"/>
+          </p:cNvSpPr>
+          <p:nvPr>
+            <p:ph type="sldNum" sz="quarter" idx="12"/>
+          </p:nvPr>
+        </p:nvSpPr>
+        <p:spPr/>
+        <p:txBody>
+          <a:bodyPr/>
+          <a:lstStyle/>
+          <a:p>
+            <a:fld id="{20401A5A-FA6E-4462-B8C5-A4D4B3FA6BB1}" type="slidenum">
+              <a:rPr lang="en-US" smtClean="0">
+                <a:solidFill>
+                  <a:prstClr val="black">
+                    <a:tint val="75000"/>
+                  </a:prstClr>
+                </a:solidFill>
+              </a:rPr>
+              <a:pPr/>
+              <a:t>31</a:t>
+            </a:fld>
+            <a:endParaRPr lang="en-US">
+              <a:solidFill>
+                <a:prstClr val="black">
+                  <a:tint val="75000"/>
+                </a:prstClr>
+              </a:solidFill>
+            </a:endParaRPr>
+          </a:p>
+        </p:txBody>
+      </p:sp>
       <p:sp>
         <p:nvSpPr>
           <p:cNvPr id="7" name="TextBox 6"/>
@@ -12840,7 +13111,7 @@
 </p:sld>
 </file>
 
-<file path=ppt/slides/slide31.xml><?xml version="1.0" encoding="utf-8"?>
+<file path=ppt/slides/slide32.xml><?xml version="1.0" encoding="utf-8"?>
 <p:sld xmlns:a="http://schemas.openxmlformats.org/drawingml/2006/main" xmlns:r="http://schemas.openxmlformats.org/officeDocument/2006/relationships" xmlns:p="http://schemas.openxmlformats.org/presentationml/2006/main">
   <p:cSld>
     <p:spTree>
@@ -12903,7 +13174,7 @@
                 </a:solidFill>
               </a:rPr>
               <a:pPr/>
-              <a:t>31</a:t>
+              <a:t>32</a:t>
             </a:fld>
             <a:endParaRPr lang="en-US">
               <a:solidFill>
@@ -13299,7 +13570,7 @@
 </p:sld>
 </file>
 
-<file path=ppt/slides/slide32.xml><?xml version="1.0" encoding="utf-8"?>
+<file path=ppt/slides/slide33.xml><?xml version="1.0" encoding="utf-8"?>
 <p:sld xmlns:a="http://schemas.openxmlformats.org/drawingml/2006/main" xmlns:r="http://schemas.openxmlformats.org/officeDocument/2006/relationships" xmlns:p="http://schemas.openxmlformats.org/presentationml/2006/main">
   <p:cSld>
     <p:spTree>
@@ -13362,7 +13633,7 @@
                 </a:solidFill>
               </a:rPr>
               <a:pPr/>
-              <a:t>32</a:t>
+              <a:t>33</a:t>
             </a:fld>
             <a:endParaRPr lang="en-US">
               <a:solidFill>
@@ -13550,7 +13821,7 @@
 </p:sld>
 </file>
 
-<file path=ppt/slides/slide33.xml><?xml version="1.0" encoding="utf-8"?>
+<file path=ppt/slides/slide34.xml><?xml version="1.0" encoding="utf-8"?>
 <p:sld xmlns:a="http://schemas.openxmlformats.org/drawingml/2006/main" xmlns:r="http://schemas.openxmlformats.org/officeDocument/2006/relationships" xmlns:p="http://schemas.openxmlformats.org/presentationml/2006/main">
   <p:cSld>
     <p:spTree>
@@ -13613,7 +13884,7 @@
                 </a:solidFill>
               </a:rPr>
               <a:pPr/>
-              <a:t>33</a:t>
+              <a:t>34</a:t>
             </a:fld>
             <a:endParaRPr lang="en-US">
               <a:solidFill>
@@ -13820,7 +14091,7 @@
 </p:sld>
 </file>
 
-<file path=ppt/slides/slide34.xml><?xml version="1.0" encoding="utf-8"?>
+<file path=ppt/slides/slide35.xml><?xml version="1.0" encoding="utf-8"?>
 <p:sld xmlns:a="http://schemas.openxmlformats.org/drawingml/2006/main" xmlns:r="http://schemas.openxmlformats.org/officeDocument/2006/relationships" xmlns:p="http://schemas.openxmlformats.org/presentationml/2006/main">
   <p:cSld>
     <p:spTree>
@@ -13883,7 +14154,7 @@
                 </a:solidFill>
               </a:rPr>
               <a:pPr/>
-              <a:t>34</a:t>
+              <a:t>35</a:t>
             </a:fld>
             <a:endParaRPr lang="en-US">
               <a:solidFill>
@@ -14125,7 +14396,7 @@
 </p:sld>
 </file>
 
-<file path=ppt/slides/slide35.xml><?xml version="1.0" encoding="utf-8"?>
+<file path=ppt/slides/slide36.xml><?xml version="1.0" encoding="utf-8"?>
 <p:sld xmlns:a="http://schemas.openxmlformats.org/drawingml/2006/main" xmlns:r="http://schemas.openxmlformats.org/officeDocument/2006/relationships" xmlns:p="http://schemas.openxmlformats.org/presentationml/2006/main">
   <p:cSld>
     <p:spTree>
@@ -14204,7 +14475,7 @@
                 </a:solidFill>
               </a:rPr>
               <a:pPr/>
-              <a:t>35</a:t>
+              <a:t>36</a:t>
             </a:fld>
             <a:endParaRPr lang="en-US">
               <a:solidFill>
@@ -14509,7 +14780,7 @@
 </p:sld>
 </file>
 
-<file path=ppt/slides/slide36.xml><?xml version="1.0" encoding="utf-8"?>
+<file path=ppt/slides/slide37.xml><?xml version="1.0" encoding="utf-8"?>
 <p:sld xmlns:a="http://schemas.openxmlformats.org/drawingml/2006/main" xmlns:r="http://schemas.openxmlformats.org/officeDocument/2006/relationships" xmlns:p="http://schemas.openxmlformats.org/presentationml/2006/main">
   <p:cSld>
     <p:spTree>
@@ -14589,7 +14860,7 @@
                 </a:solidFill>
               </a:rPr>
               <a:pPr/>
-              <a:t>36</a:t>
+              <a:t>37</a:t>
             </a:fld>
             <a:endParaRPr lang="en-US">
               <a:solidFill>
@@ -14759,7 +15030,7 @@
 </p:sld>
 </file>
 
-<file path=ppt/slides/slide37.xml><?xml version="1.0" encoding="utf-8"?>
+<file path=ppt/slides/slide38.xml><?xml version="1.0" encoding="utf-8"?>
 <p:sld xmlns:a="http://schemas.openxmlformats.org/drawingml/2006/main" xmlns:r="http://schemas.openxmlformats.org/officeDocument/2006/relationships" xmlns:p="http://schemas.openxmlformats.org/presentationml/2006/main">
   <p:cSld>
     <p:spTree>
@@ -14878,7 +15149,7 @@
                 </a:solidFill>
               </a:rPr>
               <a:pPr/>
-              <a:t>37</a:t>
+              <a:t>38</a:t>
             </a:fld>
             <a:endParaRPr lang="en-US">
               <a:solidFill>
@@ -15049,7 +15320,7 @@
 </p:sld>
 </file>
 
-<file path=ppt/slides/slide38.xml><?xml version="1.0" encoding="utf-8"?>
+<file path=ppt/slides/slide39.xml><?xml version="1.0" encoding="utf-8"?>
 <p:sld xmlns:a="http://schemas.openxmlformats.org/drawingml/2006/main" xmlns:r="http://schemas.openxmlformats.org/officeDocument/2006/relationships" xmlns:p="http://schemas.openxmlformats.org/presentationml/2006/main">
   <p:cSld>
     <p:spTree>
@@ -15168,7 +15439,7 @@
                 </a:solidFill>
               </a:rPr>
               <a:pPr/>
-              <a:t>38</a:t>
+              <a:t>39</a:t>
             </a:fld>
             <a:endParaRPr lang="en-US">
               <a:solidFill>
@@ -15436,7 +15707,174 @@
 </p:sld>
 </file>
 
-<file path=ppt/slides/slide39.xml><?xml version="1.0" encoding="utf-8"?>
+<file path=ppt/slides/slide4.xml><?xml version="1.0" encoding="utf-8"?>
+<p:sld xmlns:a="http://schemas.openxmlformats.org/drawingml/2006/main" xmlns:r="http://schemas.openxmlformats.org/officeDocument/2006/relationships" xmlns:p="http://schemas.openxmlformats.org/presentationml/2006/main">
+  <p:cSld>
+    <p:spTree>
+      <p:nvGrpSpPr>
+        <p:cNvPr id="1" name=""/>
+        <p:cNvGrpSpPr/>
+        <p:nvPr/>
+      </p:nvGrpSpPr>
+      <p:grpSpPr>
+        <a:xfrm>
+          <a:off x="0" y="0"/>
+          <a:ext cx="0" cy="0"/>
+          <a:chOff x="0" y="0"/>
+          <a:chExt cx="0" cy="0"/>
+        </a:xfrm>
+      </p:grpSpPr>
+      <p:sp>
+        <p:nvSpPr>
+          <p:cNvPr id="2" name="Title 1"/>
+          <p:cNvSpPr>
+            <a:spLocks noGrp="1"/>
+          </p:cNvSpPr>
+          <p:nvPr>
+            <p:ph type="title"/>
+          </p:nvPr>
+        </p:nvSpPr>
+        <p:spPr/>
+        <p:txBody>
+          <a:bodyPr/>
+          <a:lstStyle/>
+          <a:p>
+            <a:r>
+              <a:rPr lang="en-US" dirty="0"/>
+              <a:t>What is ggplot2?</a:t>
+            </a:r>
+          </a:p>
+        </p:txBody>
+      </p:sp>
+      <p:sp>
+        <p:nvSpPr>
+          <p:cNvPr id="4" name="Content Placeholder 3"/>
+          <p:cNvSpPr>
+            <a:spLocks noGrp="1"/>
+          </p:cNvSpPr>
+          <p:nvPr>
+            <p:ph idx="1"/>
+          </p:nvPr>
+        </p:nvSpPr>
+        <p:spPr/>
+        <p:txBody>
+          <a:bodyPr/>
+          <a:lstStyle/>
+          <a:p>
+            <a:r>
+              <a:rPr lang="en-US" dirty="0"/>
+              <a:t>ggplot2 is Hadley Wickham’s R package for producing “elegant graphics for data analysis”</a:t>
+            </a:r>
+          </a:p>
+          <a:p>
+            <a:pPr lvl="1"/>
+            <a:r>
+              <a:rPr lang="en-US" sz="2400" dirty="0"/>
+              <a:t>An implementation of the ideas for graphics introduced in Lee Wilkinson’s </a:t>
+            </a:r>
+            <a:r>
+              <a:rPr lang="en-US" sz="2400" i="1" dirty="0"/>
+              <a:t>Grammar of Graphics</a:t>
+            </a:r>
+          </a:p>
+          <a:p>
+            <a:pPr lvl="1"/>
+            <a:r>
+              <a:rPr lang="en-US" sz="2400" dirty="0"/>
+              <a:t>These ideas and the syntax of ggplot2 help to think of graphs in a new and more general way</a:t>
+            </a:r>
+          </a:p>
+          <a:p>
+            <a:pPr lvl="1"/>
+            <a:r>
+              <a:rPr lang="en-US" sz="2400" dirty="0"/>
+              <a:t>Produces pleasing plots, taking care of many of the fiddly details (legends, axes, colors, …)</a:t>
+            </a:r>
+          </a:p>
+          <a:p>
+            <a:pPr lvl="1"/>
+            <a:r>
+              <a:rPr lang="en-US" sz="2400" dirty="0"/>
+              <a:t>It is built upon the “grid” graphics system</a:t>
+            </a:r>
+          </a:p>
+          <a:p>
+            <a:pPr lvl="1"/>
+            <a:r>
+              <a:rPr lang="en-US" sz="2400" dirty="0"/>
+              <a:t>It is open software, with a large number of </a:t>
+            </a:r>
+            <a:r>
+              <a:rPr lang="en-US" sz="2400" dirty="0" err="1"/>
+              <a:t>gg</a:t>
+            </a:r>
+            <a:r>
+              <a:rPr lang="en-US" sz="2400" dirty="0"/>
+              <a:t>_ extensions. See: </a:t>
+            </a:r>
+            <a:r>
+              <a:rPr lang="en-US" sz="2400" dirty="0">
+                <a:hlinkClick r:id="rId2"/>
+              </a:rPr>
+              <a:t>https://exts.ggplot2.tidyverse.org/gallery/</a:t>
+            </a:r>
+            <a:r>
+              <a:rPr lang="en-US" sz="2400" dirty="0"/>
+              <a:t> </a:t>
+            </a:r>
+          </a:p>
+        </p:txBody>
+      </p:sp>
+      <p:sp>
+        <p:nvSpPr>
+          <p:cNvPr id="3" name="Slide Number Placeholder 2"/>
+          <p:cNvSpPr>
+            <a:spLocks noGrp="1"/>
+          </p:cNvSpPr>
+          <p:nvPr>
+            <p:ph type="sldNum" sz="quarter" idx="12"/>
+          </p:nvPr>
+        </p:nvSpPr>
+        <p:spPr/>
+        <p:txBody>
+          <a:bodyPr/>
+          <a:lstStyle/>
+          <a:p>
+            <a:fld id="{20401A5A-FA6E-4462-B8C5-A4D4B3FA6BB1}" type="slidenum">
+              <a:rPr lang="en-US" smtClean="0">
+                <a:solidFill>
+                  <a:prstClr val="black">
+                    <a:tint val="75000"/>
+                  </a:prstClr>
+                </a:solidFill>
+              </a:rPr>
+              <a:pPr/>
+              <a:t>4</a:t>
+            </a:fld>
+            <a:endParaRPr lang="en-US">
+              <a:solidFill>
+                <a:prstClr val="black">
+                  <a:tint val="75000"/>
+                </a:prstClr>
+              </a:solidFill>
+            </a:endParaRPr>
+          </a:p>
+        </p:txBody>
+      </p:sp>
+    </p:spTree>
+    <p:extLst>
+      <p:ext uri="{BB962C8B-B14F-4D97-AF65-F5344CB8AC3E}">
+        <p14:creationId xmlns:p14="http://schemas.microsoft.com/office/powerpoint/2010/main" val="3730884485"/>
+      </p:ext>
+    </p:extLst>
+  </p:cSld>
+  <p:clrMapOvr>
+    <a:masterClrMapping/>
+  </p:clrMapOvr>
+</p:sld>
+</file>
+
+<file path=ppt/slides/slide40.xml><?xml version="1.0" encoding="utf-8"?>
 <p:sld xmlns:a="http://schemas.openxmlformats.org/drawingml/2006/main" xmlns:r="http://schemas.openxmlformats.org/officeDocument/2006/relationships" xmlns:p="http://schemas.openxmlformats.org/presentationml/2006/main">
   <p:cSld>
     <p:spTree>
@@ -15551,7 +15989,7 @@
                 </a:solidFill>
               </a:rPr>
               <a:pPr/>
-              <a:t>39</a:t>
+              <a:t>40</a:t>
             </a:fld>
             <a:endParaRPr lang="en-US">
               <a:solidFill>
@@ -16016,174 +16454,7 @@
 </p:sld>
 </file>
 
-<file path=ppt/slides/slide4.xml><?xml version="1.0" encoding="utf-8"?>
-<p:sld xmlns:a="http://schemas.openxmlformats.org/drawingml/2006/main" xmlns:r="http://schemas.openxmlformats.org/officeDocument/2006/relationships" xmlns:p="http://schemas.openxmlformats.org/presentationml/2006/main">
-  <p:cSld>
-    <p:spTree>
-      <p:nvGrpSpPr>
-        <p:cNvPr id="1" name=""/>
-        <p:cNvGrpSpPr/>
-        <p:nvPr/>
-      </p:nvGrpSpPr>
-      <p:grpSpPr>
-        <a:xfrm>
-          <a:off x="0" y="0"/>
-          <a:ext cx="0" cy="0"/>
-          <a:chOff x="0" y="0"/>
-          <a:chExt cx="0" cy="0"/>
-        </a:xfrm>
-      </p:grpSpPr>
-      <p:sp>
-        <p:nvSpPr>
-          <p:cNvPr id="2" name="Title 1"/>
-          <p:cNvSpPr>
-            <a:spLocks noGrp="1"/>
-          </p:cNvSpPr>
-          <p:nvPr>
-            <p:ph type="title"/>
-          </p:nvPr>
-        </p:nvSpPr>
-        <p:spPr/>
-        <p:txBody>
-          <a:bodyPr/>
-          <a:lstStyle/>
-          <a:p>
-            <a:r>
-              <a:rPr lang="en-US" dirty="0"/>
-              <a:t>What is ggplot2?</a:t>
-            </a:r>
-          </a:p>
-        </p:txBody>
-      </p:sp>
-      <p:sp>
-        <p:nvSpPr>
-          <p:cNvPr id="4" name="Content Placeholder 3"/>
-          <p:cNvSpPr>
-            <a:spLocks noGrp="1"/>
-          </p:cNvSpPr>
-          <p:nvPr>
-            <p:ph idx="1"/>
-          </p:nvPr>
-        </p:nvSpPr>
-        <p:spPr/>
-        <p:txBody>
-          <a:bodyPr/>
-          <a:lstStyle/>
-          <a:p>
-            <a:r>
-              <a:rPr lang="en-US" dirty="0"/>
-              <a:t>ggplot2 is Hadley Wickham’s R package for producing “elegant graphics for data analysis”</a:t>
-            </a:r>
-          </a:p>
-          <a:p>
-            <a:pPr lvl="1"/>
-            <a:r>
-              <a:rPr lang="en-US" sz="2400" dirty="0"/>
-              <a:t>An implementation of the ideas for graphics introduced in Lee Wilkinson’s </a:t>
-            </a:r>
-            <a:r>
-              <a:rPr lang="en-US" sz="2400" i="1" dirty="0"/>
-              <a:t>Grammar of Graphics</a:t>
-            </a:r>
-          </a:p>
-          <a:p>
-            <a:pPr lvl="1"/>
-            <a:r>
-              <a:rPr lang="en-US" sz="2400" dirty="0"/>
-              <a:t>These ideas and the syntax of ggplot2 help to think of graphs in a new and more general way</a:t>
-            </a:r>
-          </a:p>
-          <a:p>
-            <a:pPr lvl="1"/>
-            <a:r>
-              <a:rPr lang="en-US" sz="2400" dirty="0"/>
-              <a:t>Produces pleasing plots, taking care of many of the fiddly details (legends, axes, colors, …)</a:t>
-            </a:r>
-          </a:p>
-          <a:p>
-            <a:pPr lvl="1"/>
-            <a:r>
-              <a:rPr lang="en-US" sz="2400" dirty="0"/>
-              <a:t>It is built upon the “grid” graphics system</a:t>
-            </a:r>
-          </a:p>
-          <a:p>
-            <a:pPr lvl="1"/>
-            <a:r>
-              <a:rPr lang="en-US" sz="2400" dirty="0"/>
-              <a:t>It is open software, with a large number of </a:t>
-            </a:r>
-            <a:r>
-              <a:rPr lang="en-US" sz="2400" dirty="0" err="1"/>
-              <a:t>gg</a:t>
-            </a:r>
-            <a:r>
-              <a:rPr lang="en-US" sz="2400" dirty="0"/>
-              <a:t>_ extensions. See: </a:t>
-            </a:r>
-            <a:r>
-              <a:rPr lang="en-US" sz="2400" dirty="0">
-                <a:hlinkClick r:id="rId2"/>
-              </a:rPr>
-              <a:t>https://exts.ggplot2.tidyverse.org/gallery/</a:t>
-            </a:r>
-            <a:r>
-              <a:rPr lang="en-US" sz="2400" dirty="0"/>
-              <a:t> </a:t>
-            </a:r>
-          </a:p>
-        </p:txBody>
-      </p:sp>
-      <p:sp>
-        <p:nvSpPr>
-          <p:cNvPr id="3" name="Slide Number Placeholder 2"/>
-          <p:cNvSpPr>
-            <a:spLocks noGrp="1"/>
-          </p:cNvSpPr>
-          <p:nvPr>
-            <p:ph type="sldNum" sz="quarter" idx="12"/>
-          </p:nvPr>
-        </p:nvSpPr>
-        <p:spPr/>
-        <p:txBody>
-          <a:bodyPr/>
-          <a:lstStyle/>
-          <a:p>
-            <a:fld id="{20401A5A-FA6E-4462-B8C5-A4D4B3FA6BB1}" type="slidenum">
-              <a:rPr lang="en-US" smtClean="0">
-                <a:solidFill>
-                  <a:prstClr val="black">
-                    <a:tint val="75000"/>
-                  </a:prstClr>
-                </a:solidFill>
-              </a:rPr>
-              <a:pPr/>
-              <a:t>4</a:t>
-            </a:fld>
-            <a:endParaRPr lang="en-US">
-              <a:solidFill>
-                <a:prstClr val="black">
-                  <a:tint val="75000"/>
-                </a:prstClr>
-              </a:solidFill>
-            </a:endParaRPr>
-          </a:p>
-        </p:txBody>
-      </p:sp>
-    </p:spTree>
-    <p:extLst>
-      <p:ext uri="{BB962C8B-B14F-4D97-AF65-F5344CB8AC3E}">
-        <p14:creationId xmlns:p14="http://schemas.microsoft.com/office/powerpoint/2010/main" val="3730884485"/>
-      </p:ext>
-    </p:extLst>
-  </p:cSld>
-  <p:clrMapOvr>
-    <a:masterClrMapping/>
-  </p:clrMapOvr>
-</p:sld>
-</file>
-
-<file path=ppt/slides/slide40.xml><?xml version="1.0" encoding="utf-8"?>
+<file path=ppt/slides/slide41.xml><?xml version="1.0" encoding="utf-8"?>
 <p:sld xmlns:a="http://schemas.openxmlformats.org/drawingml/2006/main" xmlns:r="http://schemas.openxmlformats.org/officeDocument/2006/relationships" xmlns:p="http://schemas.openxmlformats.org/presentationml/2006/main">
   <p:cSld>
     <p:spTree>
@@ -16298,7 +16569,7 @@
                 </a:solidFill>
               </a:rPr>
               <a:pPr/>
-              <a:t>40</a:t>
+              <a:t>41</a:t>
             </a:fld>
             <a:endParaRPr lang="en-US">
               <a:solidFill>
@@ -16566,7 +16837,7 @@
 </p:sld>
 </file>
 
-<file path=ppt/slides/slide41.xml><?xml version="1.0" encoding="utf-8"?>
+<file path=ppt/slides/slide42.xml><?xml version="1.0" encoding="utf-8"?>
 <p:sld xmlns:a="http://schemas.openxmlformats.org/drawingml/2006/main" xmlns:r="http://schemas.openxmlformats.org/officeDocument/2006/relationships" xmlns:p="http://schemas.openxmlformats.org/presentationml/2006/main">
   <p:cSld>
     <p:spTree>
@@ -16681,7 +16952,7 @@
                 </a:solidFill>
               </a:rPr>
               <a:pPr/>
-              <a:t>41</a:t>
+              <a:t>42</a:t>
             </a:fld>
             <a:endParaRPr lang="en-US">
               <a:solidFill>
@@ -17356,7 +17627,7 @@
 </p:sld>
 </file>
 
-<file path=ppt/slides/slide42.xml><?xml version="1.0" encoding="utf-8"?>
+<file path=ppt/slides/slide43.xml><?xml version="1.0" encoding="utf-8"?>
 <p:sld xmlns:a="http://schemas.openxmlformats.org/drawingml/2006/main" xmlns:r="http://schemas.openxmlformats.org/officeDocument/2006/relationships" xmlns:p="http://schemas.openxmlformats.org/presentationml/2006/main" show="0">
   <p:cSld>
     <p:spTree>
@@ -17431,7 +17702,7 @@
                 </a:solidFill>
               </a:rPr>
               <a:pPr/>
-              <a:t>42</a:t>
+              <a:t>43</a:t>
             </a:fld>
             <a:endParaRPr lang="en-US">
               <a:solidFill>
